--- a/Time series_intro.pptx
+++ b/Time series_intro.pptx
@@ -5,7 +5,7 @@
     <p:sldMasterId id="2147483648" r:id="rId1"/>
   </p:sldMasterIdLst>
   <p:notesMasterIdLst>
-    <p:notesMasterId r:id="rId20"/>
+    <p:notesMasterId r:id="rId15"/>
   </p:notesMasterIdLst>
   <p:sldIdLst>
     <p:sldId id="256" r:id="rId2"/>
@@ -17,15 +17,10 @@
     <p:sldId id="277" r:id="rId8"/>
     <p:sldId id="278" r:id="rId9"/>
     <p:sldId id="279" r:id="rId10"/>
-    <p:sldId id="281" r:id="rId11"/>
-    <p:sldId id="282" r:id="rId12"/>
-    <p:sldId id="283" r:id="rId13"/>
-    <p:sldId id="284" r:id="rId14"/>
-    <p:sldId id="285" r:id="rId15"/>
-    <p:sldId id="258" r:id="rId16"/>
-    <p:sldId id="264" r:id="rId17"/>
-    <p:sldId id="265" r:id="rId18"/>
-    <p:sldId id="266" r:id="rId19"/>
+    <p:sldId id="258" r:id="rId11"/>
+    <p:sldId id="264" r:id="rId12"/>
+    <p:sldId id="265" r:id="rId13"/>
+    <p:sldId id="266" r:id="rId14"/>
   </p:sldIdLst>
   <p:sldSz cx="12192000" cy="6858000"/>
   <p:notesSz cx="6858000" cy="9144000"/>
@@ -222,7 +217,7 @@
           <a:p>
             <a:fld id="{386A6AE1-E67B-194F-BB0D-336CAC25252A}" type="datetimeFigureOut">
               <a:rPr lang="en-US" smtClean="0"/>
-              <a:t>3/24/2024</a:t>
+              <a:t>3/29/2024</a:t>
             </a:fld>
             <a:endParaRPr lang="en-US"/>
           </a:p>
@@ -890,7 +885,7 @@
           <a:p>
             <a:fld id="{F609E718-F011-824F-9D23-A36354773D95}" type="slidenum">
               <a:rPr lang="en-US" smtClean="0"/>
-              <a:t>15</a:t>
+              <a:t>10</a:t>
             </a:fld>
             <a:endParaRPr lang="en-US"/>
           </a:p>
@@ -974,7 +969,7 @@
           <a:p>
             <a:fld id="{F609E718-F011-824F-9D23-A36354773D95}" type="slidenum">
               <a:rPr lang="en-US" smtClean="0"/>
-              <a:t>16</a:t>
+              <a:t>11</a:t>
             </a:fld>
             <a:endParaRPr lang="en-US"/>
           </a:p>
@@ -1058,7 +1053,7 @@
           <a:p>
             <a:fld id="{F609E718-F011-824F-9D23-A36354773D95}" type="slidenum">
               <a:rPr lang="en-US" smtClean="0"/>
-              <a:t>17</a:t>
+              <a:t>12</a:t>
             </a:fld>
             <a:endParaRPr lang="en-US"/>
           </a:p>
@@ -1224,7 +1219,7 @@
           <a:p>
             <a:fld id="{9B031523-AE50-364E-A675-A7151CCC295B}" type="datetimeFigureOut">
               <a:rPr lang="en-US" smtClean="0"/>
-              <a:t>3/24/2024</a:t>
+              <a:t>3/29/2024</a:t>
             </a:fld>
             <a:endParaRPr lang="en-US"/>
           </a:p>
@@ -1422,7 +1417,7 @@
           <a:p>
             <a:fld id="{9B031523-AE50-364E-A675-A7151CCC295B}" type="datetimeFigureOut">
               <a:rPr lang="en-US" smtClean="0"/>
-              <a:t>3/24/2024</a:t>
+              <a:t>3/29/2024</a:t>
             </a:fld>
             <a:endParaRPr lang="en-US"/>
           </a:p>
@@ -1630,7 +1625,7 @@
           <a:p>
             <a:fld id="{9B031523-AE50-364E-A675-A7151CCC295B}" type="datetimeFigureOut">
               <a:rPr lang="en-US" smtClean="0"/>
-              <a:t>3/24/2024</a:t>
+              <a:t>3/29/2024</a:t>
             </a:fld>
             <a:endParaRPr lang="en-US"/>
           </a:p>
@@ -1828,7 +1823,7 @@
           <a:p>
             <a:fld id="{9B031523-AE50-364E-A675-A7151CCC295B}" type="datetimeFigureOut">
               <a:rPr lang="en-US" smtClean="0"/>
-              <a:t>3/24/2024</a:t>
+              <a:t>3/29/2024</a:t>
             </a:fld>
             <a:endParaRPr lang="en-US"/>
           </a:p>
@@ -2103,7 +2098,7 @@
           <a:p>
             <a:fld id="{9B031523-AE50-364E-A675-A7151CCC295B}" type="datetimeFigureOut">
               <a:rPr lang="en-US" smtClean="0"/>
-              <a:t>3/24/2024</a:t>
+              <a:t>3/29/2024</a:t>
             </a:fld>
             <a:endParaRPr lang="en-US"/>
           </a:p>
@@ -2368,7 +2363,7 @@
           <a:p>
             <a:fld id="{9B031523-AE50-364E-A675-A7151CCC295B}" type="datetimeFigureOut">
               <a:rPr lang="en-US" smtClean="0"/>
-              <a:t>3/24/2024</a:t>
+              <a:t>3/29/2024</a:t>
             </a:fld>
             <a:endParaRPr lang="en-US"/>
           </a:p>
@@ -2780,7 +2775,7 @@
           <a:p>
             <a:fld id="{9B031523-AE50-364E-A675-A7151CCC295B}" type="datetimeFigureOut">
               <a:rPr lang="en-US" smtClean="0"/>
-              <a:t>3/24/2024</a:t>
+              <a:t>3/29/2024</a:t>
             </a:fld>
             <a:endParaRPr lang="en-US"/>
           </a:p>
@@ -2921,7 +2916,7 @@
           <a:p>
             <a:fld id="{9B031523-AE50-364E-A675-A7151CCC295B}" type="datetimeFigureOut">
               <a:rPr lang="en-US" smtClean="0"/>
-              <a:t>3/24/2024</a:t>
+              <a:t>3/29/2024</a:t>
             </a:fld>
             <a:endParaRPr lang="en-US"/>
           </a:p>
@@ -3034,7 +3029,7 @@
           <a:p>
             <a:fld id="{9B031523-AE50-364E-A675-A7151CCC295B}" type="datetimeFigureOut">
               <a:rPr lang="en-US" smtClean="0"/>
-              <a:t>3/24/2024</a:t>
+              <a:t>3/29/2024</a:t>
             </a:fld>
             <a:endParaRPr lang="en-US"/>
           </a:p>
@@ -3345,7 +3340,7 @@
           <a:p>
             <a:fld id="{9B031523-AE50-364E-A675-A7151CCC295B}" type="datetimeFigureOut">
               <a:rPr lang="en-US" smtClean="0"/>
-              <a:t>3/24/2024</a:t>
+              <a:t>3/29/2024</a:t>
             </a:fld>
             <a:endParaRPr lang="en-US"/>
           </a:p>
@@ -3633,7 +3628,7 @@
           <a:p>
             <a:fld id="{9B031523-AE50-364E-A675-A7151CCC295B}" type="datetimeFigureOut">
               <a:rPr lang="en-US" smtClean="0"/>
-              <a:t>3/24/2024</a:t>
+              <a:t>3/29/2024</a:t>
             </a:fld>
             <a:endParaRPr lang="en-US"/>
           </a:p>
@@ -3874,7 +3869,7 @@
           <a:p>
             <a:fld id="{9B031523-AE50-364E-A675-A7151CCC295B}" type="datetimeFigureOut">
               <a:rPr lang="en-US" smtClean="0"/>
-              <a:t>3/24/2024</a:t>
+              <a:t>3/29/2024</a:t>
             </a:fld>
             <a:endParaRPr lang="en-US"/>
           </a:p>
@@ -4391,3126 +4386,6 @@
           <p:cNvPr id="2" name="Title 1">
             <a:extLst>
               <a:ext uri="{FF2B5EF4-FFF2-40B4-BE49-F238E27FC236}">
-                <a16:creationId xmlns:a16="http://schemas.microsoft.com/office/drawing/2014/main" id="{762DC917-E76A-72BB-F8A4-A610E402B197}"/>
-              </a:ext>
-            </a:extLst>
-          </p:cNvPr>
-          <p:cNvSpPr>
-            <a:spLocks noGrp="1"/>
-          </p:cNvSpPr>
-          <p:nvPr>
-            <p:ph type="title"/>
-          </p:nvPr>
-        </p:nvSpPr>
-        <p:spPr/>
-        <p:txBody>
-          <a:bodyPr/>
-          <a:lstStyle/>
-          <a:p>
-            <a:r>
-              <a:rPr lang="en-US" altLang="zh-CN" dirty="0"/>
-              <a:t>Now,</a:t>
-            </a:r>
-            <a:r>
-              <a:rPr lang="zh-CN" altLang="en-US" dirty="0"/>
-              <a:t> </a:t>
-            </a:r>
-            <a:r>
-              <a:rPr lang="en-US" altLang="zh-CN" dirty="0"/>
-              <a:t>knowing</a:t>
-            </a:r>
-            <a:r>
-              <a:rPr lang="zh-CN" altLang="en-US" dirty="0"/>
-              <a:t> </a:t>
-            </a:r>
-            <a:r>
-              <a:rPr lang="en-US" altLang="zh-CN" dirty="0"/>
-              <a:t>the</a:t>
-            </a:r>
-            <a:r>
-              <a:rPr lang="zh-CN" altLang="en-US" dirty="0"/>
-              <a:t> </a:t>
-            </a:r>
-            <a:r>
-              <a:rPr lang="en-US" altLang="zh-CN" dirty="0"/>
-              <a:t>housing</a:t>
-            </a:r>
-            <a:r>
-              <a:rPr lang="zh-CN" altLang="en-US" dirty="0"/>
-              <a:t> </a:t>
-            </a:r>
-            <a:r>
-              <a:rPr lang="en-US" altLang="zh-CN" dirty="0"/>
-              <a:t>data</a:t>
-            </a:r>
-            <a:r>
-              <a:rPr lang="zh-CN" altLang="en-US" dirty="0"/>
-              <a:t> </a:t>
-            </a:r>
-            <a:r>
-              <a:rPr lang="en-US" altLang="zh-CN" dirty="0"/>
-              <a:t>is</a:t>
-            </a:r>
-            <a:r>
-              <a:rPr lang="zh-CN" altLang="en-US" dirty="0"/>
-              <a:t> </a:t>
-            </a:r>
-            <a:r>
-              <a:rPr lang="en-US" altLang="zh-CN" dirty="0"/>
-              <a:t>a</a:t>
-            </a:r>
-            <a:r>
-              <a:rPr lang="zh-CN" altLang="en-US" dirty="0"/>
-              <a:t> </a:t>
-            </a:r>
-            <a:r>
-              <a:rPr lang="en-US" altLang="zh-CN" dirty="0"/>
-              <a:t>time</a:t>
-            </a:r>
-            <a:r>
-              <a:rPr lang="zh-CN" altLang="en-US" dirty="0"/>
-              <a:t> </a:t>
-            </a:r>
-            <a:r>
-              <a:rPr lang="en-US" altLang="zh-CN" dirty="0"/>
-              <a:t>series</a:t>
-            </a:r>
-            <a:r>
-              <a:rPr lang="zh-CN" altLang="en-US" dirty="0"/>
-              <a:t> </a:t>
-            </a:r>
-            <a:r>
-              <a:rPr lang="en-US" altLang="zh-CN" dirty="0"/>
-              <a:t>data..</a:t>
-            </a:r>
-            <a:endParaRPr lang="en-US" dirty="0"/>
-          </a:p>
-        </p:txBody>
-      </p:sp>
-      <p:sp>
-        <p:nvSpPr>
-          <p:cNvPr id="3" name="Content Placeholder 2">
-            <a:extLst>
-              <a:ext uri="{FF2B5EF4-FFF2-40B4-BE49-F238E27FC236}">
-                <a16:creationId xmlns:a16="http://schemas.microsoft.com/office/drawing/2014/main" id="{739A9088-1474-0B99-B979-664429381F7F}"/>
-              </a:ext>
-            </a:extLst>
-          </p:cNvPr>
-          <p:cNvSpPr>
-            <a:spLocks noGrp="1"/>
-          </p:cNvSpPr>
-          <p:nvPr>
-            <p:ph idx="1"/>
-          </p:nvPr>
-        </p:nvSpPr>
-        <p:spPr/>
-        <p:txBody>
-          <a:bodyPr/>
-          <a:lstStyle/>
-          <a:p>
-            <a:pPr marL="0" indent="0">
-              <a:buNone/>
-            </a:pPr>
-            <a:r>
-              <a:rPr lang="en-US" altLang="zh-CN" dirty="0"/>
-              <a:t>Think</a:t>
-            </a:r>
-            <a:r>
-              <a:rPr lang="zh-CN" altLang="en-US" dirty="0"/>
-              <a:t> </a:t>
-            </a:r>
-            <a:r>
-              <a:rPr lang="en-US" altLang="zh-CN" dirty="0"/>
-              <a:t>of</a:t>
-            </a:r>
-            <a:r>
-              <a:rPr lang="zh-CN" altLang="en-US" dirty="0"/>
-              <a:t> </a:t>
-            </a:r>
-            <a:r>
-              <a:rPr lang="en-US" altLang="zh-CN" dirty="0"/>
-              <a:t>a</a:t>
-            </a:r>
-            <a:r>
-              <a:rPr lang="zh-CN" altLang="en-US" dirty="0"/>
-              <a:t> </a:t>
-            </a:r>
-            <a:r>
-              <a:rPr lang="en-US" altLang="zh-CN" dirty="0"/>
-              <a:t>way</a:t>
-            </a:r>
-            <a:r>
-              <a:rPr lang="zh-CN" altLang="en-US" dirty="0"/>
-              <a:t> </a:t>
-            </a:r>
-            <a:r>
-              <a:rPr lang="en-US" altLang="zh-CN" dirty="0"/>
-              <a:t>to</a:t>
-            </a:r>
-            <a:r>
-              <a:rPr lang="zh-CN" altLang="en-US" dirty="0"/>
-              <a:t> </a:t>
-            </a:r>
-            <a:r>
-              <a:rPr lang="en-US" altLang="zh-CN" dirty="0"/>
-              <a:t>use</a:t>
-            </a:r>
-            <a:r>
-              <a:rPr lang="zh-CN" altLang="en-US" dirty="0"/>
-              <a:t> </a:t>
-            </a:r>
-            <a:r>
-              <a:rPr lang="en-US" altLang="zh-CN" dirty="0"/>
-              <a:t>linear</a:t>
-            </a:r>
-            <a:r>
-              <a:rPr lang="zh-CN" altLang="en-US" dirty="0"/>
-              <a:t> </a:t>
-            </a:r>
-            <a:r>
-              <a:rPr lang="en-US" altLang="zh-CN" dirty="0"/>
-              <a:t>regression</a:t>
-            </a:r>
-            <a:r>
-              <a:rPr lang="zh-CN" altLang="en-US" dirty="0"/>
-              <a:t> </a:t>
-            </a:r>
-            <a:r>
-              <a:rPr lang="en-US" altLang="zh-CN" dirty="0"/>
-              <a:t>to</a:t>
-            </a:r>
-            <a:r>
-              <a:rPr lang="zh-CN" altLang="en-US" dirty="0"/>
-              <a:t> </a:t>
-            </a:r>
-            <a:r>
-              <a:rPr lang="en-US" altLang="zh-CN" dirty="0"/>
-              <a:t>predict</a:t>
-            </a:r>
-            <a:r>
-              <a:rPr lang="zh-CN" altLang="en-US" dirty="0"/>
-              <a:t> </a:t>
-            </a:r>
-            <a:r>
-              <a:rPr lang="en-US" altLang="zh-CN" dirty="0"/>
-              <a:t>housing</a:t>
-            </a:r>
-            <a:r>
-              <a:rPr lang="zh-CN" altLang="en-US" dirty="0"/>
-              <a:t> </a:t>
-            </a:r>
-            <a:r>
-              <a:rPr lang="en-US" altLang="zh-CN" dirty="0"/>
-              <a:t>price.</a:t>
-            </a:r>
-            <a:endParaRPr lang="en-US" dirty="0"/>
-          </a:p>
-        </p:txBody>
-      </p:sp>
-    </p:spTree>
-    <p:extLst>
-      <p:ext uri="{BB962C8B-B14F-4D97-AF65-F5344CB8AC3E}">
-        <p14:creationId xmlns:p14="http://schemas.microsoft.com/office/powerpoint/2010/main" val="1839954944"/>
-      </p:ext>
-    </p:extLst>
-  </p:cSld>
-  <p:clrMapOvr>
-    <a:masterClrMapping/>
-  </p:clrMapOvr>
-</p:sld>
-</file>
-
-<file path=ppt/slides/slide11.xml><?xml version="1.0" encoding="utf-8"?>
-<p:sld xmlns:a="http://schemas.openxmlformats.org/drawingml/2006/main" xmlns:r="http://schemas.openxmlformats.org/officeDocument/2006/relationships" xmlns:p="http://schemas.openxmlformats.org/presentationml/2006/main">
-  <p:cSld>
-    <p:spTree>
-      <p:nvGrpSpPr>
-        <p:cNvPr id="1" name=""/>
-        <p:cNvGrpSpPr/>
-        <p:nvPr/>
-      </p:nvGrpSpPr>
-      <p:grpSpPr>
-        <a:xfrm>
-          <a:off x="0" y="0"/>
-          <a:ext cx="0" cy="0"/>
-          <a:chOff x="0" y="0"/>
-          <a:chExt cx="0" cy="0"/>
-        </a:xfrm>
-      </p:grpSpPr>
-      <p:sp>
-        <p:nvSpPr>
-          <p:cNvPr id="2" name="Title 1">
-            <a:extLst>
-              <a:ext uri="{FF2B5EF4-FFF2-40B4-BE49-F238E27FC236}">
-                <a16:creationId xmlns:a16="http://schemas.microsoft.com/office/drawing/2014/main" id="{762DC917-E76A-72BB-F8A4-A610E402B197}"/>
-              </a:ext>
-            </a:extLst>
-          </p:cNvPr>
-          <p:cNvSpPr>
-            <a:spLocks noGrp="1"/>
-          </p:cNvSpPr>
-          <p:nvPr>
-            <p:ph type="title"/>
-          </p:nvPr>
-        </p:nvSpPr>
-        <p:spPr/>
-        <p:txBody>
-          <a:bodyPr/>
-          <a:lstStyle/>
-          <a:p>
-            <a:r>
-              <a:rPr lang="en-US" altLang="zh-CN" dirty="0"/>
-              <a:t>Now,</a:t>
-            </a:r>
-            <a:r>
-              <a:rPr lang="zh-CN" altLang="en-US" dirty="0"/>
-              <a:t> </a:t>
-            </a:r>
-            <a:r>
-              <a:rPr lang="en-US" altLang="zh-CN" dirty="0"/>
-              <a:t>knowing</a:t>
-            </a:r>
-            <a:r>
-              <a:rPr lang="zh-CN" altLang="en-US" dirty="0"/>
-              <a:t> </a:t>
-            </a:r>
-            <a:r>
-              <a:rPr lang="en-US" altLang="zh-CN" dirty="0"/>
-              <a:t>the</a:t>
-            </a:r>
-            <a:r>
-              <a:rPr lang="zh-CN" altLang="en-US" dirty="0"/>
-              <a:t> </a:t>
-            </a:r>
-            <a:r>
-              <a:rPr lang="en-US" altLang="zh-CN" dirty="0"/>
-              <a:t>housing</a:t>
-            </a:r>
-            <a:r>
-              <a:rPr lang="zh-CN" altLang="en-US" dirty="0"/>
-              <a:t> </a:t>
-            </a:r>
-            <a:r>
-              <a:rPr lang="en-US" altLang="zh-CN" dirty="0"/>
-              <a:t>data</a:t>
-            </a:r>
-            <a:r>
-              <a:rPr lang="zh-CN" altLang="en-US" dirty="0"/>
-              <a:t> </a:t>
-            </a:r>
-            <a:r>
-              <a:rPr lang="en-US" altLang="zh-CN" dirty="0"/>
-              <a:t>is</a:t>
-            </a:r>
-            <a:r>
-              <a:rPr lang="zh-CN" altLang="en-US" dirty="0"/>
-              <a:t> </a:t>
-            </a:r>
-            <a:r>
-              <a:rPr lang="en-US" altLang="zh-CN" dirty="0"/>
-              <a:t>a</a:t>
-            </a:r>
-            <a:r>
-              <a:rPr lang="zh-CN" altLang="en-US" dirty="0"/>
-              <a:t> </a:t>
-            </a:r>
-            <a:r>
-              <a:rPr lang="en-US" altLang="zh-CN" dirty="0"/>
-              <a:t>time</a:t>
-            </a:r>
-            <a:r>
-              <a:rPr lang="zh-CN" altLang="en-US" dirty="0"/>
-              <a:t> </a:t>
-            </a:r>
-            <a:r>
-              <a:rPr lang="en-US" altLang="zh-CN" dirty="0"/>
-              <a:t>series</a:t>
-            </a:r>
-            <a:r>
-              <a:rPr lang="zh-CN" altLang="en-US" dirty="0"/>
-              <a:t> </a:t>
-            </a:r>
-            <a:r>
-              <a:rPr lang="en-US" altLang="zh-CN" dirty="0"/>
-              <a:t>data..</a:t>
-            </a:r>
-            <a:endParaRPr lang="en-US" dirty="0"/>
-          </a:p>
-        </p:txBody>
-      </p:sp>
-      <p:sp>
-        <p:nvSpPr>
-          <p:cNvPr id="3" name="Content Placeholder 2">
-            <a:extLst>
-              <a:ext uri="{FF2B5EF4-FFF2-40B4-BE49-F238E27FC236}">
-                <a16:creationId xmlns:a16="http://schemas.microsoft.com/office/drawing/2014/main" id="{739A9088-1474-0B99-B979-664429381F7F}"/>
-              </a:ext>
-            </a:extLst>
-          </p:cNvPr>
-          <p:cNvSpPr>
-            <a:spLocks noGrp="1"/>
-          </p:cNvSpPr>
-          <p:nvPr>
-            <p:ph idx="1"/>
-          </p:nvPr>
-        </p:nvSpPr>
-        <p:spPr/>
-        <p:txBody>
-          <a:bodyPr/>
-          <a:lstStyle/>
-          <a:p>
-            <a:pPr marL="0" indent="0">
-              <a:buNone/>
-            </a:pPr>
-            <a:r>
-              <a:rPr lang="en-US" altLang="zh-CN" dirty="0"/>
-              <a:t>Think</a:t>
-            </a:r>
-            <a:r>
-              <a:rPr lang="zh-CN" altLang="en-US" dirty="0"/>
-              <a:t> </a:t>
-            </a:r>
-            <a:r>
-              <a:rPr lang="en-US" altLang="zh-CN" dirty="0"/>
-              <a:t>of</a:t>
-            </a:r>
-            <a:r>
-              <a:rPr lang="zh-CN" altLang="en-US" dirty="0"/>
-              <a:t> </a:t>
-            </a:r>
-            <a:r>
-              <a:rPr lang="en-US" altLang="zh-CN" dirty="0"/>
-              <a:t>a</a:t>
-            </a:r>
-            <a:r>
-              <a:rPr lang="zh-CN" altLang="en-US" dirty="0"/>
-              <a:t> </a:t>
-            </a:r>
-            <a:r>
-              <a:rPr lang="en-US" altLang="zh-CN" dirty="0"/>
-              <a:t>way</a:t>
-            </a:r>
-            <a:r>
-              <a:rPr lang="zh-CN" altLang="en-US" dirty="0"/>
-              <a:t> </a:t>
-            </a:r>
-            <a:r>
-              <a:rPr lang="en-US" altLang="zh-CN" dirty="0"/>
-              <a:t>to</a:t>
-            </a:r>
-            <a:r>
-              <a:rPr lang="zh-CN" altLang="en-US" dirty="0"/>
-              <a:t> </a:t>
-            </a:r>
-            <a:r>
-              <a:rPr lang="en-US" altLang="zh-CN" dirty="0"/>
-              <a:t>use</a:t>
-            </a:r>
-            <a:r>
-              <a:rPr lang="zh-CN" altLang="en-US" dirty="0"/>
-              <a:t> </a:t>
-            </a:r>
-            <a:r>
-              <a:rPr lang="en-US" altLang="zh-CN" dirty="0"/>
-              <a:t>linear</a:t>
-            </a:r>
-            <a:r>
-              <a:rPr lang="zh-CN" altLang="en-US" dirty="0"/>
-              <a:t> </a:t>
-            </a:r>
-            <a:r>
-              <a:rPr lang="en-US" altLang="zh-CN" dirty="0"/>
-              <a:t>regression</a:t>
-            </a:r>
-            <a:r>
-              <a:rPr lang="zh-CN" altLang="en-US" dirty="0"/>
-              <a:t> </a:t>
-            </a:r>
-            <a:r>
-              <a:rPr lang="en-US" altLang="zh-CN" dirty="0"/>
-              <a:t>to</a:t>
-            </a:r>
-            <a:r>
-              <a:rPr lang="zh-CN" altLang="en-US" dirty="0"/>
-              <a:t> </a:t>
-            </a:r>
-            <a:r>
-              <a:rPr lang="en-US" altLang="zh-CN" dirty="0"/>
-              <a:t>predict</a:t>
-            </a:r>
-            <a:r>
-              <a:rPr lang="zh-CN" altLang="en-US" dirty="0"/>
-              <a:t> </a:t>
-            </a:r>
-            <a:r>
-              <a:rPr lang="en-US" altLang="zh-CN" dirty="0"/>
-              <a:t>housing</a:t>
-            </a:r>
-            <a:r>
-              <a:rPr lang="zh-CN" altLang="en-US" dirty="0"/>
-              <a:t> </a:t>
-            </a:r>
-            <a:r>
-              <a:rPr lang="en-US" altLang="zh-CN" dirty="0"/>
-              <a:t>price.</a:t>
-            </a:r>
-          </a:p>
-          <a:p>
-            <a:pPr lvl="1"/>
-            <a:r>
-              <a:rPr lang="en-US" altLang="zh-CN" dirty="0"/>
-              <a:t>Linear</a:t>
-            </a:r>
-            <a:r>
-              <a:rPr lang="zh-CN" altLang="en-US" dirty="0"/>
-              <a:t> </a:t>
-            </a:r>
-            <a:r>
-              <a:rPr lang="en-US" altLang="zh-CN" dirty="0"/>
-              <a:t>trend?</a:t>
-            </a:r>
-          </a:p>
-          <a:p>
-            <a:pPr lvl="1"/>
-            <a:r>
-              <a:rPr lang="en-US" altLang="zh-CN" dirty="0"/>
-              <a:t>Seasonal</a:t>
-            </a:r>
-            <a:r>
-              <a:rPr lang="zh-CN" altLang="en-US" dirty="0"/>
-              <a:t> </a:t>
-            </a:r>
-            <a:r>
-              <a:rPr lang="en-US" altLang="zh-CN" dirty="0"/>
-              <a:t>effect?</a:t>
-            </a:r>
-            <a:endParaRPr lang="en-US" dirty="0"/>
-          </a:p>
-        </p:txBody>
-      </p:sp>
-    </p:spTree>
-    <p:extLst>
-      <p:ext uri="{BB962C8B-B14F-4D97-AF65-F5344CB8AC3E}">
-        <p14:creationId xmlns:p14="http://schemas.microsoft.com/office/powerpoint/2010/main" val="667341529"/>
-      </p:ext>
-    </p:extLst>
-  </p:cSld>
-  <p:clrMapOvr>
-    <a:masterClrMapping/>
-  </p:clrMapOvr>
-</p:sld>
-</file>
-
-<file path=ppt/slides/slide12.xml><?xml version="1.0" encoding="utf-8"?>
-<p:sld xmlns:a="http://schemas.openxmlformats.org/drawingml/2006/main" xmlns:r="http://schemas.openxmlformats.org/officeDocument/2006/relationships" xmlns:p="http://schemas.openxmlformats.org/presentationml/2006/main">
-  <p:cSld>
-    <p:spTree>
-      <p:nvGrpSpPr>
-        <p:cNvPr id="1" name=""/>
-        <p:cNvGrpSpPr/>
-        <p:nvPr/>
-      </p:nvGrpSpPr>
-      <p:grpSpPr>
-        <a:xfrm>
-          <a:off x="0" y="0"/>
-          <a:ext cx="0" cy="0"/>
-          <a:chOff x="0" y="0"/>
-          <a:chExt cx="0" cy="0"/>
-        </a:xfrm>
-      </p:grpSpPr>
-      <p:sp>
-        <p:nvSpPr>
-          <p:cNvPr id="2" name="Title 1">
-            <a:extLst>
-              <a:ext uri="{FF2B5EF4-FFF2-40B4-BE49-F238E27FC236}">
-                <a16:creationId xmlns:a16="http://schemas.microsoft.com/office/drawing/2014/main" id="{762DC917-E76A-72BB-F8A4-A610E402B197}"/>
-              </a:ext>
-            </a:extLst>
-          </p:cNvPr>
-          <p:cNvSpPr>
-            <a:spLocks noGrp="1"/>
-          </p:cNvSpPr>
-          <p:nvPr>
-            <p:ph type="title"/>
-          </p:nvPr>
-        </p:nvSpPr>
-        <p:spPr/>
-        <p:txBody>
-          <a:bodyPr/>
-          <a:lstStyle/>
-          <a:p>
-            <a:r>
-              <a:rPr lang="en-US" altLang="zh-CN" dirty="0"/>
-              <a:t>Now,</a:t>
-            </a:r>
-            <a:r>
-              <a:rPr lang="zh-CN" altLang="en-US" dirty="0"/>
-              <a:t> </a:t>
-            </a:r>
-            <a:r>
-              <a:rPr lang="en-US" altLang="zh-CN" dirty="0"/>
-              <a:t>knowing</a:t>
-            </a:r>
-            <a:r>
-              <a:rPr lang="zh-CN" altLang="en-US" dirty="0"/>
-              <a:t> </a:t>
-            </a:r>
-            <a:r>
-              <a:rPr lang="en-US" altLang="zh-CN" dirty="0"/>
-              <a:t>the</a:t>
-            </a:r>
-            <a:r>
-              <a:rPr lang="zh-CN" altLang="en-US" dirty="0"/>
-              <a:t> </a:t>
-            </a:r>
-            <a:r>
-              <a:rPr lang="en-US" altLang="zh-CN" dirty="0"/>
-              <a:t>housing</a:t>
-            </a:r>
-            <a:r>
-              <a:rPr lang="zh-CN" altLang="en-US" dirty="0"/>
-              <a:t> </a:t>
-            </a:r>
-            <a:r>
-              <a:rPr lang="en-US" altLang="zh-CN" dirty="0"/>
-              <a:t>data</a:t>
-            </a:r>
-            <a:r>
-              <a:rPr lang="zh-CN" altLang="en-US" dirty="0"/>
-              <a:t> </a:t>
-            </a:r>
-            <a:r>
-              <a:rPr lang="en-US" altLang="zh-CN" dirty="0"/>
-              <a:t>is</a:t>
-            </a:r>
-            <a:r>
-              <a:rPr lang="zh-CN" altLang="en-US" dirty="0"/>
-              <a:t> </a:t>
-            </a:r>
-            <a:r>
-              <a:rPr lang="en-US" altLang="zh-CN" dirty="0"/>
-              <a:t>a</a:t>
-            </a:r>
-            <a:r>
-              <a:rPr lang="zh-CN" altLang="en-US" dirty="0"/>
-              <a:t> </a:t>
-            </a:r>
-            <a:r>
-              <a:rPr lang="en-US" altLang="zh-CN" dirty="0"/>
-              <a:t>time</a:t>
-            </a:r>
-            <a:r>
-              <a:rPr lang="zh-CN" altLang="en-US" dirty="0"/>
-              <a:t> </a:t>
-            </a:r>
-            <a:r>
-              <a:rPr lang="en-US" altLang="zh-CN" dirty="0"/>
-              <a:t>series</a:t>
-            </a:r>
-            <a:r>
-              <a:rPr lang="zh-CN" altLang="en-US" dirty="0"/>
-              <a:t> </a:t>
-            </a:r>
-            <a:r>
-              <a:rPr lang="en-US" altLang="zh-CN" dirty="0"/>
-              <a:t>data..</a:t>
-            </a:r>
-            <a:endParaRPr lang="en-US" dirty="0"/>
-          </a:p>
-        </p:txBody>
-      </p:sp>
-      <mc:AlternateContent xmlns:mc="http://schemas.openxmlformats.org/markup-compatibility/2006" xmlns:a14="http://schemas.microsoft.com/office/drawing/2010/main">
-        <mc:Choice Requires="a14">
-          <p:sp>
-            <p:nvSpPr>
-              <p:cNvPr id="3" name="Content Placeholder 2">
-                <a:extLst>
-                  <a:ext uri="{FF2B5EF4-FFF2-40B4-BE49-F238E27FC236}">
-                    <a16:creationId xmlns:a16="http://schemas.microsoft.com/office/drawing/2014/main" id="{739A9088-1474-0B99-B979-664429381F7F}"/>
-                  </a:ext>
-                </a:extLst>
-              </p:cNvPr>
-              <p:cNvSpPr>
-                <a:spLocks noGrp="1"/>
-              </p:cNvSpPr>
-              <p:nvPr>
-                <p:ph idx="1"/>
-              </p:nvPr>
-            </p:nvSpPr>
-            <p:spPr/>
-            <p:txBody>
-              <a:bodyPr/>
-              <a:lstStyle/>
-              <a:p>
-                <a:pPr marL="0" indent="0">
-                  <a:buNone/>
-                </a:pPr>
-                <a:r>
-                  <a:rPr lang="en-US" altLang="zh-CN" dirty="0"/>
-                  <a:t>Think</a:t>
-                </a:r>
-                <a:r>
-                  <a:rPr lang="zh-CN" altLang="en-US" dirty="0"/>
-                  <a:t> </a:t>
-                </a:r>
-                <a:r>
-                  <a:rPr lang="en-US" altLang="zh-CN" dirty="0"/>
-                  <a:t>of</a:t>
-                </a:r>
-                <a:r>
-                  <a:rPr lang="zh-CN" altLang="en-US" dirty="0"/>
-                  <a:t> </a:t>
-                </a:r>
-                <a:r>
-                  <a:rPr lang="en-US" altLang="zh-CN" dirty="0"/>
-                  <a:t>a</a:t>
-                </a:r>
-                <a:r>
-                  <a:rPr lang="zh-CN" altLang="en-US" dirty="0"/>
-                  <a:t> </a:t>
-                </a:r>
-                <a:r>
-                  <a:rPr lang="en-US" altLang="zh-CN" dirty="0"/>
-                  <a:t>way</a:t>
-                </a:r>
-                <a:r>
-                  <a:rPr lang="zh-CN" altLang="en-US" dirty="0"/>
-                  <a:t> </a:t>
-                </a:r>
-                <a:r>
-                  <a:rPr lang="en-US" altLang="zh-CN" dirty="0"/>
-                  <a:t>to</a:t>
-                </a:r>
-                <a:r>
-                  <a:rPr lang="zh-CN" altLang="en-US" dirty="0"/>
-                  <a:t> </a:t>
-                </a:r>
-                <a:r>
-                  <a:rPr lang="en-US" altLang="zh-CN" dirty="0"/>
-                  <a:t>use</a:t>
-                </a:r>
-                <a:r>
-                  <a:rPr lang="zh-CN" altLang="en-US" dirty="0"/>
-                  <a:t> </a:t>
-                </a:r>
-                <a:r>
-                  <a:rPr lang="en-US" altLang="zh-CN" dirty="0"/>
-                  <a:t>linear</a:t>
-                </a:r>
-                <a:r>
-                  <a:rPr lang="zh-CN" altLang="en-US" dirty="0"/>
-                  <a:t> </a:t>
-                </a:r>
-                <a:r>
-                  <a:rPr lang="en-US" altLang="zh-CN" dirty="0"/>
-                  <a:t>regression</a:t>
-                </a:r>
-                <a:r>
-                  <a:rPr lang="zh-CN" altLang="en-US" dirty="0"/>
-                  <a:t> </a:t>
-                </a:r>
-                <a:r>
-                  <a:rPr lang="en-US" altLang="zh-CN" dirty="0"/>
-                  <a:t>to</a:t>
-                </a:r>
-                <a:r>
-                  <a:rPr lang="zh-CN" altLang="en-US" dirty="0"/>
-                  <a:t> </a:t>
-                </a:r>
-                <a:r>
-                  <a:rPr lang="en-US" altLang="zh-CN" dirty="0"/>
-                  <a:t>predict</a:t>
-                </a:r>
-                <a:r>
-                  <a:rPr lang="zh-CN" altLang="en-US" dirty="0"/>
-                  <a:t> </a:t>
-                </a:r>
-                <a:r>
-                  <a:rPr lang="en-US" altLang="zh-CN" dirty="0"/>
-                  <a:t>housing</a:t>
-                </a:r>
-                <a:r>
-                  <a:rPr lang="zh-CN" altLang="en-US" dirty="0"/>
-                  <a:t> </a:t>
-                </a:r>
-                <a:r>
-                  <a:rPr lang="en-US" altLang="zh-CN" dirty="0"/>
-                  <a:t>price.</a:t>
-                </a:r>
-              </a:p>
-              <a:p>
-                <a:pPr lvl="1"/>
-                <a:r>
-                  <a:rPr lang="en-US" altLang="zh-CN" dirty="0"/>
-                  <a:t>Linear</a:t>
-                </a:r>
-                <a:r>
-                  <a:rPr lang="zh-CN" altLang="en-US" dirty="0"/>
-                  <a:t> </a:t>
-                </a:r>
-                <a:r>
-                  <a:rPr lang="en-US" altLang="zh-CN" dirty="0"/>
-                  <a:t>trend?</a:t>
-                </a:r>
-              </a:p>
-              <a:p>
-                <a:pPr marL="914400" lvl="2" indent="0">
-                  <a:buNone/>
-                </a:pPr>
-                <a14:m>
-                  <m:oMathPara xmlns:m="http://schemas.openxmlformats.org/officeDocument/2006/math">
-                    <m:oMathParaPr>
-                      <m:jc m:val="centerGroup"/>
-                    </m:oMathParaPr>
-                    <m:oMath xmlns:m="http://schemas.openxmlformats.org/officeDocument/2006/math">
-                      <m:r>
-                        <a:rPr lang="en-US" altLang="zh-CN" b="0" i="1" smtClean="0">
-                          <a:latin typeface="Cambria Math" panose="02040503050406030204" pitchFamily="18" charset="0"/>
-                        </a:rPr>
-                        <m:t>𝑝𝑟𝑖𝑐𝑒</m:t>
-                      </m:r>
-                      <m:r>
-                        <a:rPr lang="en-US" altLang="zh-CN" b="0" i="1" smtClean="0">
-                          <a:latin typeface="Cambria Math" panose="02040503050406030204" pitchFamily="18" charset="0"/>
-                        </a:rPr>
-                        <m:t>= </m:t>
-                      </m:r>
-                      <m:sSub>
-                        <m:sSubPr>
-                          <m:ctrlPr>
-                            <a:rPr lang="en-US" altLang="zh-CN" b="0" i="1" smtClean="0">
-                              <a:latin typeface="Cambria Math" panose="02040503050406030204" pitchFamily="18" charset="0"/>
-                            </a:rPr>
-                          </m:ctrlPr>
-                        </m:sSubPr>
-                        <m:e>
-                          <m:r>
-                            <a:rPr lang="en-US" altLang="zh-CN" b="0" i="1" smtClean="0">
-                              <a:latin typeface="Cambria Math" panose="02040503050406030204" pitchFamily="18" charset="0"/>
-                              <a:ea typeface="Cambria Math" panose="02040503050406030204" pitchFamily="18" charset="0"/>
-                            </a:rPr>
-                            <m:t>𝛽</m:t>
-                          </m:r>
-                        </m:e>
-                        <m:sub>
-                          <m:r>
-                            <a:rPr lang="en-US" altLang="zh-CN" b="0" i="1" smtClean="0">
-                              <a:latin typeface="Cambria Math" panose="02040503050406030204" pitchFamily="18" charset="0"/>
-                            </a:rPr>
-                            <m:t>1</m:t>
-                          </m:r>
-                        </m:sub>
-                      </m:sSub>
-                      <m:r>
-                        <a:rPr lang="en-US" altLang="zh-CN" b="0" i="1" smtClean="0">
-                          <a:latin typeface="Cambria Math" panose="02040503050406030204" pitchFamily="18" charset="0"/>
-                        </a:rPr>
-                        <m:t>𝑡</m:t>
-                      </m:r>
-                      <m:r>
-                        <a:rPr lang="en-US" altLang="zh-CN" b="0" i="1" smtClean="0">
-                          <a:latin typeface="Cambria Math" panose="02040503050406030204" pitchFamily="18" charset="0"/>
-                        </a:rPr>
-                        <m:t>+ ∈</m:t>
-                      </m:r>
-                    </m:oMath>
-                  </m:oMathPara>
-                </a14:m>
-                <a:endParaRPr lang="en-US" altLang="zh-CN" dirty="0"/>
-              </a:p>
-              <a:p>
-                <a:pPr lvl="2"/>
-                <a:r>
-                  <a:rPr lang="en-US" altLang="zh-CN" dirty="0"/>
-                  <a:t>How</a:t>
-                </a:r>
-                <a:r>
-                  <a:rPr lang="zh-CN" altLang="en-US" dirty="0"/>
-                  <a:t> </a:t>
-                </a:r>
-                <a:r>
-                  <a:rPr lang="en-US" altLang="zh-CN" dirty="0"/>
-                  <a:t>to</a:t>
-                </a:r>
-                <a:r>
-                  <a:rPr lang="zh-CN" altLang="en-US" dirty="0"/>
-                  <a:t> </a:t>
-                </a:r>
-                <a:r>
-                  <a:rPr lang="en-US" altLang="zh-CN" dirty="0"/>
-                  <a:t>interpret</a:t>
-                </a:r>
-                <a:r>
-                  <a:rPr lang="zh-CN" altLang="en-US" dirty="0"/>
-                  <a:t> </a:t>
-                </a:r>
-                <a14:m>
-                  <m:oMath xmlns:m="http://schemas.openxmlformats.org/officeDocument/2006/math">
-                    <m:sSub>
-                      <m:sSubPr>
-                        <m:ctrlPr>
-                          <a:rPr lang="en-US" altLang="zh-CN" b="0" i="1" smtClean="0">
-                            <a:latin typeface="Cambria Math" panose="02040503050406030204" pitchFamily="18" charset="0"/>
-                          </a:rPr>
-                        </m:ctrlPr>
-                      </m:sSubPr>
-                      <m:e>
-                        <m:r>
-                          <a:rPr lang="en-US" altLang="zh-CN" b="0" i="1" smtClean="0">
-                            <a:latin typeface="Cambria Math" panose="02040503050406030204" pitchFamily="18" charset="0"/>
-                            <a:ea typeface="Cambria Math" panose="02040503050406030204" pitchFamily="18" charset="0"/>
-                          </a:rPr>
-                          <m:t>𝛽</m:t>
-                        </m:r>
-                      </m:e>
-                      <m:sub>
-                        <m:r>
-                          <a:rPr lang="en-US" altLang="zh-CN" b="0" i="1" smtClean="0">
-                            <a:latin typeface="Cambria Math" panose="02040503050406030204" pitchFamily="18" charset="0"/>
-                          </a:rPr>
-                          <m:t>1</m:t>
-                        </m:r>
-                      </m:sub>
-                    </m:sSub>
-                  </m:oMath>
-                </a14:m>
-                <a:r>
-                  <a:rPr lang="en-US" altLang="zh-CN" dirty="0"/>
-                  <a:t>?</a:t>
-                </a:r>
-              </a:p>
-              <a:p>
-                <a:pPr marL="914400" lvl="2" indent="0">
-                  <a:buNone/>
-                </a:pPr>
-                <a:endParaRPr lang="en-US" altLang="zh-CN" dirty="0"/>
-              </a:p>
-              <a:p>
-                <a:pPr lvl="1"/>
-                <a:r>
-                  <a:rPr lang="en-US" altLang="zh-CN" dirty="0"/>
-                  <a:t>Seasonal</a:t>
-                </a:r>
-                <a:r>
-                  <a:rPr lang="zh-CN" altLang="en-US" dirty="0"/>
-                  <a:t> </a:t>
-                </a:r>
-                <a:r>
-                  <a:rPr lang="en-US" altLang="zh-CN" dirty="0"/>
-                  <a:t>effect?</a:t>
-                </a:r>
-                <a:endParaRPr lang="en-US" dirty="0"/>
-              </a:p>
-            </p:txBody>
-          </p:sp>
-        </mc:Choice>
-        <mc:Fallback xmlns="">
-          <p:sp>
-            <p:nvSpPr>
-              <p:cNvPr id="3" name="Content Placeholder 2">
-                <a:extLst>
-                  <a:ext uri="{FF2B5EF4-FFF2-40B4-BE49-F238E27FC236}">
-                    <a16:creationId xmlns:a16="http://schemas.microsoft.com/office/drawing/2014/main" id="{739A9088-1474-0B99-B979-664429381F7F}"/>
-                  </a:ext>
-                </a:extLst>
-              </p:cNvPr>
-              <p:cNvSpPr>
-                <a:spLocks noGrp="1" noRot="1" noChangeAspect="1" noMove="1" noResize="1" noEditPoints="1" noAdjustHandles="1" noChangeArrowheads="1" noChangeShapeType="1" noTextEdit="1"/>
-              </p:cNvSpPr>
-              <p:nvPr>
-                <p:ph idx="1"/>
-              </p:nvPr>
-            </p:nvSpPr>
-            <p:spPr>
-              <a:blipFill>
-                <a:blip r:embed="rId2"/>
-                <a:stretch>
-                  <a:fillRect l="-1206" t="-2326"/>
-                </a:stretch>
-              </a:blipFill>
-            </p:spPr>
-            <p:txBody>
-              <a:bodyPr/>
-              <a:lstStyle/>
-              <a:p>
-                <a:r>
-                  <a:rPr lang="en-US">
-                    <a:noFill/>
-                  </a:rPr>
-                  <a:t> </a:t>
-                </a:r>
-              </a:p>
-            </p:txBody>
-          </p:sp>
-        </mc:Fallback>
-      </mc:AlternateContent>
-    </p:spTree>
-    <p:extLst>
-      <p:ext uri="{BB962C8B-B14F-4D97-AF65-F5344CB8AC3E}">
-        <p14:creationId xmlns:p14="http://schemas.microsoft.com/office/powerpoint/2010/main" val="2891037280"/>
-      </p:ext>
-    </p:extLst>
-  </p:cSld>
-  <p:clrMapOvr>
-    <a:masterClrMapping/>
-  </p:clrMapOvr>
-</p:sld>
-</file>
-
-<file path=ppt/slides/slide13.xml><?xml version="1.0" encoding="utf-8"?>
-<p:sld xmlns:a="http://schemas.openxmlformats.org/drawingml/2006/main" xmlns:r="http://schemas.openxmlformats.org/officeDocument/2006/relationships" xmlns:p="http://schemas.openxmlformats.org/presentationml/2006/main">
-  <p:cSld>
-    <p:spTree>
-      <p:nvGrpSpPr>
-        <p:cNvPr id="1" name=""/>
-        <p:cNvGrpSpPr/>
-        <p:nvPr/>
-      </p:nvGrpSpPr>
-      <p:grpSpPr>
-        <a:xfrm>
-          <a:off x="0" y="0"/>
-          <a:ext cx="0" cy="0"/>
-          <a:chOff x="0" y="0"/>
-          <a:chExt cx="0" cy="0"/>
-        </a:xfrm>
-      </p:grpSpPr>
-      <p:sp>
-        <p:nvSpPr>
-          <p:cNvPr id="2" name="Title 1">
-            <a:extLst>
-              <a:ext uri="{FF2B5EF4-FFF2-40B4-BE49-F238E27FC236}">
-                <a16:creationId xmlns:a16="http://schemas.microsoft.com/office/drawing/2014/main" id="{762DC917-E76A-72BB-F8A4-A610E402B197}"/>
-              </a:ext>
-            </a:extLst>
-          </p:cNvPr>
-          <p:cNvSpPr>
-            <a:spLocks noGrp="1"/>
-          </p:cNvSpPr>
-          <p:nvPr>
-            <p:ph type="title"/>
-          </p:nvPr>
-        </p:nvSpPr>
-        <p:spPr/>
-        <p:txBody>
-          <a:bodyPr/>
-          <a:lstStyle/>
-          <a:p>
-            <a:r>
-              <a:rPr lang="en-US" altLang="zh-CN" dirty="0"/>
-              <a:t>Now,</a:t>
-            </a:r>
-            <a:r>
-              <a:rPr lang="zh-CN" altLang="en-US" dirty="0"/>
-              <a:t> </a:t>
-            </a:r>
-            <a:r>
-              <a:rPr lang="en-US" altLang="zh-CN" dirty="0"/>
-              <a:t>knowing</a:t>
-            </a:r>
-            <a:r>
-              <a:rPr lang="zh-CN" altLang="en-US" dirty="0"/>
-              <a:t> </a:t>
-            </a:r>
-            <a:r>
-              <a:rPr lang="en-US" altLang="zh-CN" dirty="0"/>
-              <a:t>the</a:t>
-            </a:r>
-            <a:r>
-              <a:rPr lang="zh-CN" altLang="en-US" dirty="0"/>
-              <a:t> </a:t>
-            </a:r>
-            <a:r>
-              <a:rPr lang="en-US" altLang="zh-CN" dirty="0"/>
-              <a:t>housing</a:t>
-            </a:r>
-            <a:r>
-              <a:rPr lang="zh-CN" altLang="en-US" dirty="0"/>
-              <a:t> </a:t>
-            </a:r>
-            <a:r>
-              <a:rPr lang="en-US" altLang="zh-CN" dirty="0"/>
-              <a:t>data</a:t>
-            </a:r>
-            <a:r>
-              <a:rPr lang="zh-CN" altLang="en-US" dirty="0"/>
-              <a:t> </a:t>
-            </a:r>
-            <a:r>
-              <a:rPr lang="en-US" altLang="zh-CN" dirty="0"/>
-              <a:t>is</a:t>
-            </a:r>
-            <a:r>
-              <a:rPr lang="zh-CN" altLang="en-US" dirty="0"/>
-              <a:t> </a:t>
-            </a:r>
-            <a:r>
-              <a:rPr lang="en-US" altLang="zh-CN" dirty="0"/>
-              <a:t>a</a:t>
-            </a:r>
-            <a:r>
-              <a:rPr lang="zh-CN" altLang="en-US" dirty="0"/>
-              <a:t> </a:t>
-            </a:r>
-            <a:r>
-              <a:rPr lang="en-US" altLang="zh-CN" dirty="0"/>
-              <a:t>time</a:t>
-            </a:r>
-            <a:r>
-              <a:rPr lang="zh-CN" altLang="en-US" dirty="0"/>
-              <a:t> </a:t>
-            </a:r>
-            <a:r>
-              <a:rPr lang="en-US" altLang="zh-CN" dirty="0"/>
-              <a:t>series</a:t>
-            </a:r>
-            <a:r>
-              <a:rPr lang="zh-CN" altLang="en-US" dirty="0"/>
-              <a:t> </a:t>
-            </a:r>
-            <a:r>
-              <a:rPr lang="en-US" altLang="zh-CN" dirty="0"/>
-              <a:t>data..</a:t>
-            </a:r>
-            <a:endParaRPr lang="en-US" dirty="0"/>
-          </a:p>
-        </p:txBody>
-      </p:sp>
-      <mc:AlternateContent xmlns:mc="http://schemas.openxmlformats.org/markup-compatibility/2006" xmlns:a14="http://schemas.microsoft.com/office/drawing/2010/main">
-        <mc:Choice Requires="a14">
-          <p:sp>
-            <p:nvSpPr>
-              <p:cNvPr id="3" name="Content Placeholder 2">
-                <a:extLst>
-                  <a:ext uri="{FF2B5EF4-FFF2-40B4-BE49-F238E27FC236}">
-                    <a16:creationId xmlns:a16="http://schemas.microsoft.com/office/drawing/2014/main" id="{739A9088-1474-0B99-B979-664429381F7F}"/>
-                  </a:ext>
-                </a:extLst>
-              </p:cNvPr>
-              <p:cNvSpPr>
-                <a:spLocks noGrp="1"/>
-              </p:cNvSpPr>
-              <p:nvPr>
-                <p:ph idx="1"/>
-              </p:nvPr>
-            </p:nvSpPr>
-            <p:spPr/>
-            <p:txBody>
-              <a:bodyPr/>
-              <a:lstStyle/>
-              <a:p>
-                <a:pPr marL="0" indent="0">
-                  <a:buNone/>
-                </a:pPr>
-                <a:r>
-                  <a:rPr lang="en-US" altLang="zh-CN" dirty="0"/>
-                  <a:t>Think</a:t>
-                </a:r>
-                <a:r>
-                  <a:rPr lang="zh-CN" altLang="en-US" dirty="0"/>
-                  <a:t> </a:t>
-                </a:r>
-                <a:r>
-                  <a:rPr lang="en-US" altLang="zh-CN" dirty="0"/>
-                  <a:t>of</a:t>
-                </a:r>
-                <a:r>
-                  <a:rPr lang="zh-CN" altLang="en-US" dirty="0"/>
-                  <a:t> </a:t>
-                </a:r>
-                <a:r>
-                  <a:rPr lang="en-US" altLang="zh-CN" dirty="0"/>
-                  <a:t>a</a:t>
-                </a:r>
-                <a:r>
-                  <a:rPr lang="zh-CN" altLang="en-US" dirty="0"/>
-                  <a:t> </a:t>
-                </a:r>
-                <a:r>
-                  <a:rPr lang="en-US" altLang="zh-CN" dirty="0"/>
-                  <a:t>way</a:t>
-                </a:r>
-                <a:r>
-                  <a:rPr lang="zh-CN" altLang="en-US" dirty="0"/>
-                  <a:t> </a:t>
-                </a:r>
-                <a:r>
-                  <a:rPr lang="en-US" altLang="zh-CN" dirty="0"/>
-                  <a:t>to</a:t>
-                </a:r>
-                <a:r>
-                  <a:rPr lang="zh-CN" altLang="en-US" dirty="0"/>
-                  <a:t> </a:t>
-                </a:r>
-                <a:r>
-                  <a:rPr lang="en-US" altLang="zh-CN" dirty="0"/>
-                  <a:t>use</a:t>
-                </a:r>
-                <a:r>
-                  <a:rPr lang="zh-CN" altLang="en-US" dirty="0"/>
-                  <a:t> </a:t>
-                </a:r>
-                <a:r>
-                  <a:rPr lang="en-US" altLang="zh-CN" dirty="0"/>
-                  <a:t>linear</a:t>
-                </a:r>
-                <a:r>
-                  <a:rPr lang="zh-CN" altLang="en-US" dirty="0"/>
-                  <a:t> </a:t>
-                </a:r>
-                <a:r>
-                  <a:rPr lang="en-US" altLang="zh-CN" dirty="0"/>
-                  <a:t>regression</a:t>
-                </a:r>
-                <a:r>
-                  <a:rPr lang="zh-CN" altLang="en-US" dirty="0"/>
-                  <a:t> </a:t>
-                </a:r>
-                <a:r>
-                  <a:rPr lang="en-US" altLang="zh-CN" dirty="0"/>
-                  <a:t>to</a:t>
-                </a:r>
-                <a:r>
-                  <a:rPr lang="zh-CN" altLang="en-US" dirty="0"/>
-                  <a:t> </a:t>
-                </a:r>
-                <a:r>
-                  <a:rPr lang="en-US" altLang="zh-CN" dirty="0"/>
-                  <a:t>predict</a:t>
-                </a:r>
-                <a:r>
-                  <a:rPr lang="zh-CN" altLang="en-US" dirty="0"/>
-                  <a:t> </a:t>
-                </a:r>
-                <a:r>
-                  <a:rPr lang="en-US" altLang="zh-CN" dirty="0"/>
-                  <a:t>housing</a:t>
-                </a:r>
-                <a:r>
-                  <a:rPr lang="zh-CN" altLang="en-US" dirty="0"/>
-                  <a:t> </a:t>
-                </a:r>
-                <a:r>
-                  <a:rPr lang="en-US" altLang="zh-CN" dirty="0"/>
-                  <a:t>price.</a:t>
-                </a:r>
-              </a:p>
-              <a:p>
-                <a:pPr lvl="1"/>
-                <a:r>
-                  <a:rPr lang="en-US" altLang="zh-CN" dirty="0"/>
-                  <a:t>Linear</a:t>
-                </a:r>
-                <a:r>
-                  <a:rPr lang="zh-CN" altLang="en-US" dirty="0"/>
-                  <a:t> </a:t>
-                </a:r>
-                <a:r>
-                  <a:rPr lang="en-US" altLang="zh-CN" dirty="0"/>
-                  <a:t>trend?</a:t>
-                </a:r>
-              </a:p>
-              <a:p>
-                <a:pPr marL="914400" lvl="2" indent="0">
-                  <a:buNone/>
-                </a:pPr>
-                <a14:m>
-                  <m:oMathPara xmlns:m="http://schemas.openxmlformats.org/officeDocument/2006/math">
-                    <m:oMathParaPr>
-                      <m:jc m:val="centerGroup"/>
-                    </m:oMathParaPr>
-                    <m:oMath xmlns:m="http://schemas.openxmlformats.org/officeDocument/2006/math">
-                      <m:r>
-                        <a:rPr lang="en-US" altLang="zh-CN" b="0" i="1" smtClean="0">
-                          <a:latin typeface="Cambria Math" panose="02040503050406030204" pitchFamily="18" charset="0"/>
-                        </a:rPr>
-                        <m:t>𝑝𝑟𝑖𝑐𝑒</m:t>
-                      </m:r>
-                      <m:r>
-                        <a:rPr lang="en-US" altLang="zh-CN" b="0" i="1" smtClean="0">
-                          <a:latin typeface="Cambria Math" panose="02040503050406030204" pitchFamily="18" charset="0"/>
-                        </a:rPr>
-                        <m:t>= </m:t>
-                      </m:r>
-                      <m:sSub>
-                        <m:sSubPr>
-                          <m:ctrlPr>
-                            <a:rPr lang="en-US" altLang="zh-CN" b="0" i="1" smtClean="0">
-                              <a:latin typeface="Cambria Math" panose="02040503050406030204" pitchFamily="18" charset="0"/>
-                            </a:rPr>
-                          </m:ctrlPr>
-                        </m:sSubPr>
-                        <m:e>
-                          <m:r>
-                            <a:rPr lang="en-US" altLang="zh-CN" b="0" i="1" smtClean="0">
-                              <a:latin typeface="Cambria Math" panose="02040503050406030204" pitchFamily="18" charset="0"/>
-                              <a:ea typeface="Cambria Math" panose="02040503050406030204" pitchFamily="18" charset="0"/>
-                            </a:rPr>
-                            <m:t>𝛽</m:t>
-                          </m:r>
-                        </m:e>
-                        <m:sub>
-                          <m:r>
-                            <a:rPr lang="en-US" altLang="zh-CN" b="0" i="1" smtClean="0">
-                              <a:latin typeface="Cambria Math" panose="02040503050406030204" pitchFamily="18" charset="0"/>
-                            </a:rPr>
-                            <m:t>1</m:t>
-                          </m:r>
-                        </m:sub>
-                      </m:sSub>
-                      <m:r>
-                        <a:rPr lang="en-US" altLang="zh-CN" b="0" i="1" smtClean="0">
-                          <a:latin typeface="Cambria Math" panose="02040503050406030204" pitchFamily="18" charset="0"/>
-                        </a:rPr>
-                        <m:t>𝑡</m:t>
-                      </m:r>
-                      <m:r>
-                        <a:rPr lang="en-US" altLang="zh-CN" b="0" i="1" smtClean="0">
-                          <a:latin typeface="Cambria Math" panose="02040503050406030204" pitchFamily="18" charset="0"/>
-                        </a:rPr>
-                        <m:t>+ ∈</m:t>
-                      </m:r>
-                    </m:oMath>
-                  </m:oMathPara>
-                </a14:m>
-                <a:endParaRPr lang="en-US" altLang="zh-CN" dirty="0"/>
-              </a:p>
-              <a:p>
-                <a:pPr lvl="2"/>
-                <a:r>
-                  <a:rPr lang="en-US" altLang="zh-CN" dirty="0"/>
-                  <a:t>What</a:t>
-                </a:r>
-                <a:r>
-                  <a:rPr lang="zh-CN" altLang="en-US" dirty="0"/>
-                  <a:t> </a:t>
-                </a:r>
-                <a:r>
-                  <a:rPr lang="en-US" altLang="zh-CN" dirty="0"/>
-                  <a:t>is</a:t>
-                </a:r>
-                <a:r>
-                  <a:rPr lang="zh-CN" altLang="en-US" dirty="0"/>
-                  <a:t> </a:t>
-                </a:r>
-                <a:r>
-                  <a:rPr lang="en-US" altLang="zh-CN" dirty="0"/>
-                  <a:t>the</a:t>
-                </a:r>
-                <a:r>
-                  <a:rPr lang="zh-CN" altLang="en-US" dirty="0"/>
-                  <a:t> </a:t>
-                </a:r>
-                <a:r>
-                  <a:rPr lang="en-US" altLang="zh-CN" dirty="0"/>
-                  <a:t>assumption</a:t>
-                </a:r>
-                <a:r>
-                  <a:rPr lang="zh-CN" altLang="en-US" dirty="0"/>
-                  <a:t> </a:t>
-                </a:r>
-                <a:r>
-                  <a:rPr lang="en-US" altLang="zh-CN" dirty="0"/>
-                  <a:t>here?</a:t>
-                </a:r>
-                <a:r>
-                  <a:rPr lang="zh-CN" altLang="en-US" dirty="0"/>
-                  <a:t> </a:t>
-                </a:r>
-                <a:r>
-                  <a:rPr lang="en-US" altLang="zh-CN" dirty="0"/>
-                  <a:t>This</a:t>
-                </a:r>
-                <a:r>
-                  <a:rPr lang="zh-CN" altLang="en-US" dirty="0"/>
-                  <a:t> </a:t>
-                </a:r>
-                <a:r>
-                  <a:rPr lang="en-US" altLang="zh-CN" dirty="0"/>
-                  <a:t>assumes</a:t>
-                </a:r>
-                <a:r>
-                  <a:rPr lang="zh-CN" altLang="en-US" dirty="0"/>
-                  <a:t> </a:t>
-                </a:r>
-                <a:r>
-                  <a:rPr lang="en-US" altLang="zh-CN" dirty="0"/>
-                  <a:t>that</a:t>
-                </a:r>
-                <a:r>
-                  <a:rPr lang="zh-CN" altLang="en-US" dirty="0"/>
-                  <a:t> </a:t>
-                </a:r>
-                <a:r>
-                  <a:rPr lang="en-US" altLang="zh-CN" dirty="0"/>
-                  <a:t>the</a:t>
-                </a:r>
-                <a:r>
-                  <a:rPr lang="zh-CN" altLang="en-US" dirty="0"/>
-                  <a:t> </a:t>
-                </a:r>
-                <a:r>
-                  <a:rPr lang="en-US" altLang="zh-CN" dirty="0"/>
-                  <a:t>price</a:t>
-                </a:r>
-                <a:r>
-                  <a:rPr lang="zh-CN" altLang="en-US" dirty="0"/>
-                  <a:t> </a:t>
-                </a:r>
-                <a:r>
-                  <a:rPr lang="en-US" altLang="zh-CN" dirty="0"/>
-                  <a:t>increasement</a:t>
-                </a:r>
-                <a:r>
-                  <a:rPr lang="zh-CN" altLang="en-US" dirty="0"/>
-                  <a:t> </a:t>
-                </a:r>
-                <a:r>
-                  <a:rPr lang="en-US" altLang="zh-CN" dirty="0"/>
-                  <a:t>is</a:t>
-                </a:r>
-                <a:r>
-                  <a:rPr lang="zh-CN" altLang="en-US" dirty="0"/>
-                  <a:t> </a:t>
-                </a:r>
-                <a:r>
-                  <a:rPr lang="en-US" altLang="zh-CN" dirty="0"/>
-                  <a:t>linear</a:t>
-                </a:r>
-                <a:r>
-                  <a:rPr lang="zh-CN" altLang="en-US" dirty="0"/>
-                  <a:t> </a:t>
-                </a:r>
-                <a:r>
-                  <a:rPr lang="en-US" altLang="zh-CN" dirty="0"/>
-                  <a:t>over</a:t>
-                </a:r>
-                <a:r>
-                  <a:rPr lang="zh-CN" altLang="en-US" dirty="0"/>
-                  <a:t> </a:t>
-                </a:r>
-                <a:r>
-                  <a:rPr lang="en-US" altLang="zh-CN" dirty="0"/>
-                  <a:t>time,</a:t>
-                </a:r>
-                <a:r>
-                  <a:rPr lang="zh-CN" altLang="en-US" dirty="0"/>
-                  <a:t> </a:t>
-                </a:r>
-                <a:r>
-                  <a:rPr lang="en-US" altLang="zh-CN" dirty="0"/>
-                  <a:t>i.e.,</a:t>
-                </a:r>
-                <a:r>
-                  <a:rPr lang="zh-CN" altLang="en-US" dirty="0"/>
-                  <a:t> </a:t>
-                </a:r>
-                <a:r>
-                  <a:rPr lang="en-US" altLang="zh-CN" dirty="0"/>
-                  <a:t>the</a:t>
-                </a:r>
-                <a:r>
-                  <a:rPr lang="zh-CN" altLang="en-US" dirty="0"/>
-                  <a:t> </a:t>
-                </a:r>
-                <a:r>
-                  <a:rPr lang="en-US" altLang="zh-CN" dirty="0"/>
-                  <a:t>average</a:t>
-                </a:r>
-                <a:r>
-                  <a:rPr lang="zh-CN" altLang="en-US" dirty="0"/>
-                  <a:t> </a:t>
-                </a:r>
-                <a:r>
-                  <a:rPr lang="en-US" altLang="zh-CN" dirty="0"/>
-                  <a:t>price</a:t>
-                </a:r>
-                <a:r>
-                  <a:rPr lang="zh-CN" altLang="en-US" dirty="0"/>
-                  <a:t> </a:t>
-                </a:r>
-                <a:r>
-                  <a:rPr lang="en-US" altLang="zh-CN" dirty="0"/>
-                  <a:t>difference</a:t>
-                </a:r>
-                <a:r>
-                  <a:rPr lang="zh-CN" altLang="en-US" dirty="0"/>
-                  <a:t> </a:t>
-                </a:r>
-                <a:r>
-                  <a:rPr lang="en-US" altLang="zh-CN" dirty="0"/>
-                  <a:t>between</a:t>
-                </a:r>
-                <a:r>
-                  <a:rPr lang="zh-CN" altLang="en-US" dirty="0"/>
-                  <a:t> </a:t>
-                </a:r>
-                <a:r>
-                  <a:rPr lang="en-US" altLang="zh-CN" dirty="0"/>
-                  <a:t>Year2010</a:t>
-                </a:r>
-                <a:r>
-                  <a:rPr lang="zh-CN" altLang="en-US" dirty="0"/>
-                  <a:t> </a:t>
-                </a:r>
-                <a:r>
-                  <a:rPr lang="en-US" altLang="zh-CN" dirty="0"/>
-                  <a:t>and</a:t>
-                </a:r>
-                <a:r>
-                  <a:rPr lang="zh-CN" altLang="en-US" dirty="0"/>
-                  <a:t> </a:t>
-                </a:r>
-                <a:r>
-                  <a:rPr lang="en-US" altLang="zh-CN" dirty="0"/>
-                  <a:t>Year</a:t>
-                </a:r>
-                <a:r>
-                  <a:rPr lang="zh-CN" altLang="en-US" dirty="0"/>
-                  <a:t> </a:t>
-                </a:r>
-                <a:r>
-                  <a:rPr lang="en-US" altLang="zh-CN" dirty="0"/>
-                  <a:t>2009</a:t>
-                </a:r>
-                <a:r>
-                  <a:rPr lang="zh-CN" altLang="en-US" dirty="0"/>
-                  <a:t> </a:t>
-                </a:r>
-                <a:r>
-                  <a:rPr lang="en-US" altLang="zh-CN" dirty="0"/>
-                  <a:t>is</a:t>
-                </a:r>
-                <a:r>
-                  <a:rPr lang="zh-CN" altLang="en-US" dirty="0"/>
-                  <a:t> </a:t>
-                </a:r>
-                <a:r>
-                  <a:rPr lang="en-US" altLang="zh-CN" dirty="0"/>
-                  <a:t>the</a:t>
-                </a:r>
-                <a:r>
-                  <a:rPr lang="zh-CN" altLang="en-US" dirty="0"/>
-                  <a:t> </a:t>
-                </a:r>
-                <a:r>
-                  <a:rPr lang="en-US" altLang="zh-CN" dirty="0"/>
-                  <a:t>same</a:t>
-                </a:r>
-                <a:r>
-                  <a:rPr lang="zh-CN" altLang="en-US" dirty="0"/>
-                  <a:t> </a:t>
-                </a:r>
-                <a:r>
-                  <a:rPr lang="en-US" altLang="zh-CN" dirty="0"/>
-                  <a:t>as</a:t>
-                </a:r>
-                <a:r>
-                  <a:rPr lang="zh-CN" altLang="en-US" dirty="0"/>
-                  <a:t> </a:t>
-                </a:r>
-                <a:r>
-                  <a:rPr lang="en-US" altLang="zh-CN" dirty="0"/>
-                  <a:t>the</a:t>
-                </a:r>
-                <a:r>
-                  <a:rPr lang="zh-CN" altLang="en-US" dirty="0"/>
-                  <a:t> </a:t>
-                </a:r>
-                <a:r>
-                  <a:rPr lang="en-US" altLang="zh-CN" dirty="0"/>
-                  <a:t>average</a:t>
-                </a:r>
-                <a:r>
-                  <a:rPr lang="zh-CN" altLang="en-US" dirty="0"/>
-                  <a:t> </a:t>
-                </a:r>
-                <a:r>
-                  <a:rPr lang="en-US" altLang="zh-CN" dirty="0"/>
-                  <a:t>price</a:t>
-                </a:r>
-                <a:r>
-                  <a:rPr lang="zh-CN" altLang="en-US" dirty="0"/>
-                  <a:t> </a:t>
-                </a:r>
-                <a:r>
-                  <a:rPr lang="en-US" altLang="zh-CN" dirty="0"/>
-                  <a:t>difference</a:t>
-                </a:r>
-                <a:r>
-                  <a:rPr lang="zh-CN" altLang="en-US" dirty="0"/>
-                  <a:t> </a:t>
-                </a:r>
-                <a:r>
-                  <a:rPr lang="en-US" altLang="zh-CN" dirty="0"/>
-                  <a:t>between</a:t>
-                </a:r>
-                <a:r>
-                  <a:rPr lang="zh-CN" altLang="en-US" dirty="0"/>
-                  <a:t> </a:t>
-                </a:r>
-                <a:r>
-                  <a:rPr lang="en-US" altLang="zh-CN" dirty="0"/>
-                  <a:t>Year2011</a:t>
-                </a:r>
-                <a:r>
-                  <a:rPr lang="zh-CN" altLang="en-US" dirty="0"/>
-                  <a:t> </a:t>
-                </a:r>
-                <a:r>
-                  <a:rPr lang="en-US" altLang="zh-CN" dirty="0"/>
-                  <a:t>and</a:t>
-                </a:r>
-                <a:r>
-                  <a:rPr lang="zh-CN" altLang="en-US" dirty="0"/>
-                  <a:t> </a:t>
-                </a:r>
-                <a:r>
-                  <a:rPr lang="en-US" altLang="zh-CN" dirty="0"/>
-                  <a:t>Year</a:t>
-                </a:r>
-                <a:r>
-                  <a:rPr lang="zh-CN" altLang="en-US" dirty="0"/>
-                  <a:t> </a:t>
-                </a:r>
-                <a:r>
-                  <a:rPr lang="en-US" altLang="zh-CN" dirty="0"/>
-                  <a:t>2010</a:t>
-                </a:r>
-                <a:r>
-                  <a:rPr lang="zh-CN" altLang="en-US" dirty="0"/>
-                  <a:t> </a:t>
-                </a:r>
-                <a:r>
-                  <a:rPr lang="en-US" altLang="zh-CN" dirty="0"/>
-                  <a:t>(both</a:t>
-                </a:r>
-                <a:r>
-                  <a:rPr lang="zh-CN" altLang="en-US" dirty="0"/>
-                  <a:t> </a:t>
-                </a:r>
-                <a:r>
-                  <a:rPr lang="en-US" altLang="zh-CN" dirty="0"/>
-                  <a:t>equal</a:t>
-                </a:r>
-                <a:r>
-                  <a:rPr lang="zh-CN" altLang="en-US" dirty="0"/>
-                  <a:t> </a:t>
-                </a:r>
-                <a:r>
-                  <a:rPr lang="en-US" altLang="zh-CN" dirty="0"/>
-                  <a:t>to</a:t>
-                </a:r>
-                <a:r>
-                  <a:rPr lang="zh-CN" altLang="en-US" dirty="0"/>
-                  <a:t> </a:t>
-                </a:r>
-                <a14:m>
-                  <m:oMath xmlns:m="http://schemas.openxmlformats.org/officeDocument/2006/math">
-                    <m:sSub>
-                      <m:sSubPr>
-                        <m:ctrlPr>
-                          <a:rPr lang="en-US" altLang="zh-CN" b="0" i="1" smtClean="0">
-                            <a:latin typeface="Cambria Math" panose="02040503050406030204" pitchFamily="18" charset="0"/>
-                          </a:rPr>
-                        </m:ctrlPr>
-                      </m:sSubPr>
-                      <m:e>
-                        <m:r>
-                          <a:rPr lang="en-US" altLang="zh-CN" b="0" i="1" smtClean="0">
-                            <a:latin typeface="Cambria Math" panose="02040503050406030204" pitchFamily="18" charset="0"/>
-                            <a:ea typeface="Cambria Math" panose="02040503050406030204" pitchFamily="18" charset="0"/>
-                          </a:rPr>
-                          <m:t>𝛽</m:t>
-                        </m:r>
-                      </m:e>
-                      <m:sub>
-                        <m:r>
-                          <a:rPr lang="en-US" altLang="zh-CN" b="0" i="1" smtClean="0">
-                            <a:latin typeface="Cambria Math" panose="02040503050406030204" pitchFamily="18" charset="0"/>
-                          </a:rPr>
-                          <m:t>1</m:t>
-                        </m:r>
-                      </m:sub>
-                    </m:sSub>
-                  </m:oMath>
-                </a14:m>
-                <a:r>
-                  <a:rPr lang="en-US" altLang="zh-CN" dirty="0"/>
-                  <a:t>).</a:t>
-                </a:r>
-              </a:p>
-              <a:p>
-                <a:pPr marL="914400" lvl="2" indent="0">
-                  <a:buNone/>
-                </a:pPr>
-                <a:endParaRPr lang="en-US" altLang="zh-CN" dirty="0"/>
-              </a:p>
-              <a:p>
-                <a:pPr lvl="1"/>
-                <a:r>
-                  <a:rPr lang="en-US" altLang="zh-CN" dirty="0"/>
-                  <a:t>Seasonal</a:t>
-                </a:r>
-                <a:r>
-                  <a:rPr lang="zh-CN" altLang="en-US" dirty="0"/>
-                  <a:t> </a:t>
-                </a:r>
-                <a:r>
-                  <a:rPr lang="en-US" altLang="zh-CN" dirty="0"/>
-                  <a:t>effect?</a:t>
-                </a:r>
-              </a:p>
-              <a:p>
-                <a:pPr marL="914400" lvl="2" indent="0">
-                  <a:buNone/>
-                </a:pPr>
-                <a14:m>
-                  <m:oMathPara xmlns:m="http://schemas.openxmlformats.org/officeDocument/2006/math">
-                    <m:oMathParaPr>
-                      <m:jc m:val="centerGroup"/>
-                    </m:oMathParaPr>
-                    <m:oMath xmlns:m="http://schemas.openxmlformats.org/officeDocument/2006/math">
-                      <m:r>
-                        <a:rPr lang="en-US" altLang="zh-CN" b="0" i="1" smtClean="0">
-                          <a:latin typeface="Cambria Math" panose="02040503050406030204" pitchFamily="18" charset="0"/>
-                        </a:rPr>
-                        <m:t>𝑝𝑟𝑖𝑐𝑒</m:t>
-                      </m:r>
-                      <m:r>
-                        <a:rPr lang="en-US" altLang="zh-CN" b="0" i="1" smtClean="0">
-                          <a:latin typeface="Cambria Math" panose="02040503050406030204" pitchFamily="18" charset="0"/>
-                        </a:rPr>
-                        <m:t>= </m:t>
-                      </m:r>
-                      <m:sSub>
-                        <m:sSubPr>
-                          <m:ctrlPr>
-                            <a:rPr lang="en-US" altLang="zh-CN" b="0" i="1" smtClean="0">
-                              <a:latin typeface="Cambria Math" panose="02040503050406030204" pitchFamily="18" charset="0"/>
-                            </a:rPr>
-                          </m:ctrlPr>
-                        </m:sSubPr>
-                        <m:e>
-                          <m:r>
-                            <a:rPr lang="en-US" altLang="zh-CN" b="0" i="1" smtClean="0">
-                              <a:latin typeface="Cambria Math" panose="02040503050406030204" pitchFamily="18" charset="0"/>
-                              <a:ea typeface="Cambria Math" panose="02040503050406030204" pitchFamily="18" charset="0"/>
-                            </a:rPr>
-                            <m:t>𝛽</m:t>
-                          </m:r>
-                        </m:e>
-                        <m:sub>
-                          <m:r>
-                            <a:rPr lang="en-US" altLang="zh-CN" b="0" i="1" smtClean="0">
-                              <a:latin typeface="Cambria Math" panose="02040503050406030204" pitchFamily="18" charset="0"/>
-                              <a:ea typeface="Cambria Math" panose="02040503050406030204" pitchFamily="18" charset="0"/>
-                            </a:rPr>
-                            <m:t>2</m:t>
-                          </m:r>
-                        </m:sub>
-                      </m:sSub>
-                      <m:r>
-                        <a:rPr lang="zh-CN" altLang="en-US" b="0" i="1" smtClean="0">
-                          <a:latin typeface="Cambria Math" panose="02040503050406030204" pitchFamily="18" charset="0"/>
-                        </a:rPr>
-                        <m:t>∗</m:t>
-                      </m:r>
-                      <m:r>
-                        <a:rPr lang="en-US" altLang="zh-CN" b="0" i="1" smtClean="0">
-                          <a:latin typeface="Cambria Math" panose="02040503050406030204" pitchFamily="18" charset="0"/>
-                        </a:rPr>
-                        <m:t>𝑠𝑝𝑟𝑖𝑛𝑔</m:t>
-                      </m:r>
-                      <m:r>
-                        <a:rPr lang="en-US" altLang="zh-CN" b="0" i="1" smtClean="0">
-                          <a:latin typeface="Cambria Math" panose="02040503050406030204" pitchFamily="18" charset="0"/>
-                        </a:rPr>
-                        <m:t>+</m:t>
-                      </m:r>
-                      <m:sSub>
-                        <m:sSubPr>
-                          <m:ctrlPr>
-                            <a:rPr lang="en-US" altLang="zh-CN" i="1">
-                              <a:latin typeface="Cambria Math" panose="02040503050406030204" pitchFamily="18" charset="0"/>
-                            </a:rPr>
-                          </m:ctrlPr>
-                        </m:sSubPr>
-                        <m:e>
-                          <m:r>
-                            <a:rPr lang="en-US" altLang="zh-CN" i="1">
-                              <a:latin typeface="Cambria Math" panose="02040503050406030204" pitchFamily="18" charset="0"/>
-                              <a:ea typeface="Cambria Math" panose="02040503050406030204" pitchFamily="18" charset="0"/>
-                            </a:rPr>
-                            <m:t>𝛽</m:t>
-                          </m:r>
-                        </m:e>
-                        <m:sub>
-                          <m:r>
-                            <a:rPr lang="en-US" altLang="zh-CN" b="0" i="1" smtClean="0">
-                              <a:latin typeface="Cambria Math" panose="02040503050406030204" pitchFamily="18" charset="0"/>
-                              <a:ea typeface="Cambria Math" panose="02040503050406030204" pitchFamily="18" charset="0"/>
-                            </a:rPr>
-                            <m:t>3</m:t>
-                          </m:r>
-                        </m:sub>
-                      </m:sSub>
-                      <m:r>
-                        <a:rPr lang="zh-CN" altLang="en-US" i="1">
-                          <a:latin typeface="Cambria Math" panose="02040503050406030204" pitchFamily="18" charset="0"/>
-                        </a:rPr>
-                        <m:t>∗</m:t>
-                      </m:r>
-                      <m:r>
-                        <a:rPr lang="en-US" altLang="zh-CN" b="0" i="1" smtClean="0">
-                          <a:latin typeface="Cambria Math" panose="02040503050406030204" pitchFamily="18" charset="0"/>
-                        </a:rPr>
-                        <m:t>𝑠𝑢𝑚𝑚𝑒𝑟</m:t>
-                      </m:r>
-                      <m:r>
-                        <a:rPr lang="en-US" altLang="zh-CN" b="0" i="1" smtClean="0">
-                          <a:latin typeface="Cambria Math" panose="02040503050406030204" pitchFamily="18" charset="0"/>
-                        </a:rPr>
-                        <m:t>+</m:t>
-                      </m:r>
-                      <m:sSub>
-                        <m:sSubPr>
-                          <m:ctrlPr>
-                            <a:rPr lang="en-US" altLang="zh-CN" i="1">
-                              <a:latin typeface="Cambria Math" panose="02040503050406030204" pitchFamily="18" charset="0"/>
-                            </a:rPr>
-                          </m:ctrlPr>
-                        </m:sSubPr>
-                        <m:e>
-                          <m:r>
-                            <a:rPr lang="en-US" altLang="zh-CN" i="1">
-                              <a:latin typeface="Cambria Math" panose="02040503050406030204" pitchFamily="18" charset="0"/>
-                              <a:ea typeface="Cambria Math" panose="02040503050406030204" pitchFamily="18" charset="0"/>
-                            </a:rPr>
-                            <m:t>𝛽</m:t>
-                          </m:r>
-                        </m:e>
-                        <m:sub>
-                          <m:r>
-                            <a:rPr lang="en-US" altLang="zh-CN" b="0" i="1" smtClean="0">
-                              <a:latin typeface="Cambria Math" panose="02040503050406030204" pitchFamily="18" charset="0"/>
-                              <a:ea typeface="Cambria Math" panose="02040503050406030204" pitchFamily="18" charset="0"/>
-                            </a:rPr>
-                            <m:t>4</m:t>
-                          </m:r>
-                        </m:sub>
-                      </m:sSub>
-                      <m:r>
-                        <a:rPr lang="zh-CN" altLang="en-US" i="1">
-                          <a:latin typeface="Cambria Math" panose="02040503050406030204" pitchFamily="18" charset="0"/>
-                        </a:rPr>
-                        <m:t>∗</m:t>
-                      </m:r>
-                      <m:r>
-                        <a:rPr lang="en-US" altLang="zh-CN" b="0" i="1" smtClean="0">
-                          <a:latin typeface="Cambria Math" panose="02040503050406030204" pitchFamily="18" charset="0"/>
-                        </a:rPr>
-                        <m:t>𝑓𝑎𝑙𝑙</m:t>
-                      </m:r>
-                      <m:r>
-                        <a:rPr lang="en-US" altLang="zh-CN" b="0" i="1" smtClean="0">
-                          <a:latin typeface="Cambria Math" panose="02040503050406030204" pitchFamily="18" charset="0"/>
-                        </a:rPr>
-                        <m:t>+</m:t>
-                      </m:r>
-                      <m:sSub>
-                        <m:sSubPr>
-                          <m:ctrlPr>
-                            <a:rPr lang="en-US" altLang="zh-CN" i="1">
-                              <a:latin typeface="Cambria Math" panose="02040503050406030204" pitchFamily="18" charset="0"/>
-                            </a:rPr>
-                          </m:ctrlPr>
-                        </m:sSubPr>
-                        <m:e>
-                          <m:r>
-                            <a:rPr lang="en-US" altLang="zh-CN" i="1">
-                              <a:latin typeface="Cambria Math" panose="02040503050406030204" pitchFamily="18" charset="0"/>
-                              <a:ea typeface="Cambria Math" panose="02040503050406030204" pitchFamily="18" charset="0"/>
-                            </a:rPr>
-                            <m:t>𝛽</m:t>
-                          </m:r>
-                        </m:e>
-                        <m:sub>
-                          <m:r>
-                            <a:rPr lang="en-US" altLang="zh-CN" b="0" i="1" smtClean="0">
-                              <a:latin typeface="Cambria Math" panose="02040503050406030204" pitchFamily="18" charset="0"/>
-                              <a:ea typeface="Cambria Math" panose="02040503050406030204" pitchFamily="18" charset="0"/>
-                            </a:rPr>
-                            <m:t>5</m:t>
-                          </m:r>
-                        </m:sub>
-                      </m:sSub>
-                      <m:r>
-                        <a:rPr lang="zh-CN" altLang="en-US" i="1">
-                          <a:latin typeface="Cambria Math" panose="02040503050406030204" pitchFamily="18" charset="0"/>
-                        </a:rPr>
-                        <m:t>∗</m:t>
-                      </m:r>
-                      <m:r>
-                        <a:rPr lang="en-US" altLang="zh-CN" b="0" i="1" smtClean="0">
-                          <a:latin typeface="Cambria Math" panose="02040503050406030204" pitchFamily="18" charset="0"/>
-                        </a:rPr>
-                        <m:t>𝑤𝑖𝑛𝑡𝑒𝑟</m:t>
-                      </m:r>
-                      <m:r>
-                        <a:rPr lang="en-US" altLang="zh-CN" i="1">
-                          <a:latin typeface="Cambria Math" panose="02040503050406030204" pitchFamily="18" charset="0"/>
-                        </a:rPr>
-                        <m:t>+</m:t>
-                      </m:r>
-                      <m:r>
-                        <a:rPr lang="zh-CN" altLang="en-US" b="0" i="1" smtClean="0">
-                          <a:latin typeface="Cambria Math" panose="02040503050406030204" pitchFamily="18" charset="0"/>
-                        </a:rPr>
-                        <m:t> ∈</m:t>
-                      </m:r>
-                    </m:oMath>
-                  </m:oMathPara>
-                </a14:m>
-                <a:endParaRPr lang="en-US" dirty="0"/>
-              </a:p>
-            </p:txBody>
-          </p:sp>
-        </mc:Choice>
-        <mc:Fallback xmlns="">
-          <p:sp>
-            <p:nvSpPr>
-              <p:cNvPr id="3" name="Content Placeholder 2">
-                <a:extLst>
-                  <a:ext uri="{FF2B5EF4-FFF2-40B4-BE49-F238E27FC236}">
-                    <a16:creationId xmlns:a16="http://schemas.microsoft.com/office/drawing/2014/main" id="{739A9088-1474-0B99-B979-664429381F7F}"/>
-                  </a:ext>
-                </a:extLst>
-              </p:cNvPr>
-              <p:cNvSpPr>
-                <a:spLocks noGrp="1" noRot="1" noChangeAspect="1" noMove="1" noResize="1" noEditPoints="1" noAdjustHandles="1" noChangeArrowheads="1" noChangeShapeType="1" noTextEdit="1"/>
-              </p:cNvSpPr>
-              <p:nvPr>
-                <p:ph idx="1"/>
-              </p:nvPr>
-            </p:nvSpPr>
-            <p:spPr>
-              <a:blipFill>
-                <a:blip r:embed="rId2"/>
-                <a:stretch>
-                  <a:fillRect l="-1206" t="-2326"/>
-                </a:stretch>
-              </a:blipFill>
-            </p:spPr>
-            <p:txBody>
-              <a:bodyPr/>
-              <a:lstStyle/>
-              <a:p>
-                <a:r>
-                  <a:rPr lang="en-US">
-                    <a:noFill/>
-                  </a:rPr>
-                  <a:t> </a:t>
-                </a:r>
-              </a:p>
-            </p:txBody>
-          </p:sp>
-        </mc:Fallback>
-      </mc:AlternateContent>
-    </p:spTree>
-    <p:extLst>
-      <p:ext uri="{BB962C8B-B14F-4D97-AF65-F5344CB8AC3E}">
-        <p14:creationId xmlns:p14="http://schemas.microsoft.com/office/powerpoint/2010/main" val="1910390385"/>
-      </p:ext>
-    </p:extLst>
-  </p:cSld>
-  <p:clrMapOvr>
-    <a:masterClrMapping/>
-  </p:clrMapOvr>
-</p:sld>
-</file>
-
-<file path=ppt/slides/slide14.xml><?xml version="1.0" encoding="utf-8"?>
-<p:sld xmlns:a="http://schemas.openxmlformats.org/drawingml/2006/main" xmlns:r="http://schemas.openxmlformats.org/officeDocument/2006/relationships" xmlns:p="http://schemas.openxmlformats.org/presentationml/2006/main">
-  <p:cSld>
-    <p:spTree>
-      <p:nvGrpSpPr>
-        <p:cNvPr id="1" name=""/>
-        <p:cNvGrpSpPr/>
-        <p:nvPr/>
-      </p:nvGrpSpPr>
-      <p:grpSpPr>
-        <a:xfrm>
-          <a:off x="0" y="0"/>
-          <a:ext cx="0" cy="0"/>
-          <a:chOff x="0" y="0"/>
-          <a:chExt cx="0" cy="0"/>
-        </a:xfrm>
-      </p:grpSpPr>
-      <p:sp>
-        <p:nvSpPr>
-          <p:cNvPr id="2" name="Title 1">
-            <a:extLst>
-              <a:ext uri="{FF2B5EF4-FFF2-40B4-BE49-F238E27FC236}">
-                <a16:creationId xmlns:a16="http://schemas.microsoft.com/office/drawing/2014/main" id="{762DC917-E76A-72BB-F8A4-A610E402B197}"/>
-              </a:ext>
-            </a:extLst>
-          </p:cNvPr>
-          <p:cNvSpPr>
-            <a:spLocks noGrp="1"/>
-          </p:cNvSpPr>
-          <p:nvPr>
-            <p:ph type="title"/>
-          </p:nvPr>
-        </p:nvSpPr>
-        <p:spPr/>
-        <p:txBody>
-          <a:bodyPr/>
-          <a:lstStyle/>
-          <a:p>
-            <a:r>
-              <a:rPr lang="en-US" altLang="zh-CN" dirty="0"/>
-              <a:t>Now,</a:t>
-            </a:r>
-            <a:r>
-              <a:rPr lang="zh-CN" altLang="en-US" dirty="0"/>
-              <a:t> </a:t>
-            </a:r>
-            <a:r>
-              <a:rPr lang="en-US" altLang="zh-CN" dirty="0"/>
-              <a:t>knowing</a:t>
-            </a:r>
-            <a:r>
-              <a:rPr lang="zh-CN" altLang="en-US" dirty="0"/>
-              <a:t> </a:t>
-            </a:r>
-            <a:r>
-              <a:rPr lang="en-US" altLang="zh-CN" dirty="0"/>
-              <a:t>the</a:t>
-            </a:r>
-            <a:r>
-              <a:rPr lang="zh-CN" altLang="en-US" dirty="0"/>
-              <a:t> </a:t>
-            </a:r>
-            <a:r>
-              <a:rPr lang="en-US" altLang="zh-CN" dirty="0"/>
-              <a:t>housing</a:t>
-            </a:r>
-            <a:r>
-              <a:rPr lang="zh-CN" altLang="en-US" dirty="0"/>
-              <a:t> </a:t>
-            </a:r>
-            <a:r>
-              <a:rPr lang="en-US" altLang="zh-CN" dirty="0"/>
-              <a:t>data</a:t>
-            </a:r>
-            <a:r>
-              <a:rPr lang="zh-CN" altLang="en-US" dirty="0"/>
-              <a:t> </a:t>
-            </a:r>
-            <a:r>
-              <a:rPr lang="en-US" altLang="zh-CN" dirty="0"/>
-              <a:t>is</a:t>
-            </a:r>
-            <a:r>
-              <a:rPr lang="zh-CN" altLang="en-US" dirty="0"/>
-              <a:t> </a:t>
-            </a:r>
-            <a:r>
-              <a:rPr lang="en-US" altLang="zh-CN" dirty="0"/>
-              <a:t>a</a:t>
-            </a:r>
-            <a:r>
-              <a:rPr lang="zh-CN" altLang="en-US" dirty="0"/>
-              <a:t> </a:t>
-            </a:r>
-            <a:r>
-              <a:rPr lang="en-US" altLang="zh-CN" dirty="0"/>
-              <a:t>time</a:t>
-            </a:r>
-            <a:r>
-              <a:rPr lang="zh-CN" altLang="en-US" dirty="0"/>
-              <a:t> </a:t>
-            </a:r>
-            <a:r>
-              <a:rPr lang="en-US" altLang="zh-CN" dirty="0"/>
-              <a:t>series</a:t>
-            </a:r>
-            <a:r>
-              <a:rPr lang="zh-CN" altLang="en-US" dirty="0"/>
-              <a:t> </a:t>
-            </a:r>
-            <a:r>
-              <a:rPr lang="en-US" altLang="zh-CN" dirty="0"/>
-              <a:t>data..</a:t>
-            </a:r>
-            <a:endParaRPr lang="en-US" dirty="0"/>
-          </a:p>
-        </p:txBody>
-      </p:sp>
-      <mc:AlternateContent xmlns:mc="http://schemas.openxmlformats.org/markup-compatibility/2006" xmlns:a14="http://schemas.microsoft.com/office/drawing/2010/main">
-        <mc:Choice Requires="a14">
-          <p:sp>
-            <p:nvSpPr>
-              <p:cNvPr id="3" name="Content Placeholder 2">
-                <a:extLst>
-                  <a:ext uri="{FF2B5EF4-FFF2-40B4-BE49-F238E27FC236}">
-                    <a16:creationId xmlns:a16="http://schemas.microsoft.com/office/drawing/2014/main" id="{739A9088-1474-0B99-B979-664429381F7F}"/>
-                  </a:ext>
-                </a:extLst>
-              </p:cNvPr>
-              <p:cNvSpPr>
-                <a:spLocks noGrp="1"/>
-              </p:cNvSpPr>
-              <p:nvPr>
-                <p:ph idx="1"/>
-              </p:nvPr>
-            </p:nvSpPr>
-            <p:spPr/>
-            <p:txBody>
-              <a:bodyPr/>
-              <a:lstStyle/>
-              <a:p>
-                <a:pPr marL="0" indent="0">
-                  <a:buNone/>
-                </a:pPr>
-                <a:r>
-                  <a:rPr lang="en-US" altLang="zh-CN" dirty="0"/>
-                  <a:t>Think</a:t>
-                </a:r>
-                <a:r>
-                  <a:rPr lang="zh-CN" altLang="en-US" dirty="0"/>
-                  <a:t> </a:t>
-                </a:r>
-                <a:r>
-                  <a:rPr lang="en-US" altLang="zh-CN" dirty="0"/>
-                  <a:t>of</a:t>
-                </a:r>
-                <a:r>
-                  <a:rPr lang="zh-CN" altLang="en-US" dirty="0"/>
-                  <a:t> </a:t>
-                </a:r>
-                <a:r>
-                  <a:rPr lang="en-US" altLang="zh-CN" dirty="0"/>
-                  <a:t>a</a:t>
-                </a:r>
-                <a:r>
-                  <a:rPr lang="zh-CN" altLang="en-US" dirty="0"/>
-                  <a:t> </a:t>
-                </a:r>
-                <a:r>
-                  <a:rPr lang="en-US" altLang="zh-CN" dirty="0"/>
-                  <a:t>way</a:t>
-                </a:r>
-                <a:r>
-                  <a:rPr lang="zh-CN" altLang="en-US" dirty="0"/>
-                  <a:t> </a:t>
-                </a:r>
-                <a:r>
-                  <a:rPr lang="en-US" altLang="zh-CN" dirty="0"/>
-                  <a:t>to</a:t>
-                </a:r>
-                <a:r>
-                  <a:rPr lang="zh-CN" altLang="en-US" dirty="0"/>
-                  <a:t> </a:t>
-                </a:r>
-                <a:r>
-                  <a:rPr lang="en-US" altLang="zh-CN" dirty="0"/>
-                  <a:t>use</a:t>
-                </a:r>
-                <a:r>
-                  <a:rPr lang="zh-CN" altLang="en-US" dirty="0"/>
-                  <a:t> </a:t>
-                </a:r>
-                <a:r>
-                  <a:rPr lang="en-US" altLang="zh-CN" dirty="0"/>
-                  <a:t>linear</a:t>
-                </a:r>
-                <a:r>
-                  <a:rPr lang="zh-CN" altLang="en-US" dirty="0"/>
-                  <a:t> </a:t>
-                </a:r>
-                <a:r>
-                  <a:rPr lang="en-US" altLang="zh-CN" dirty="0"/>
-                  <a:t>regression</a:t>
-                </a:r>
-                <a:r>
-                  <a:rPr lang="zh-CN" altLang="en-US" dirty="0"/>
-                  <a:t> </a:t>
-                </a:r>
-                <a:r>
-                  <a:rPr lang="en-US" altLang="zh-CN" dirty="0"/>
-                  <a:t>to</a:t>
-                </a:r>
-                <a:r>
-                  <a:rPr lang="zh-CN" altLang="en-US" dirty="0"/>
-                  <a:t> </a:t>
-                </a:r>
-                <a:r>
-                  <a:rPr lang="en-US" altLang="zh-CN" dirty="0"/>
-                  <a:t>predict</a:t>
-                </a:r>
-                <a:r>
-                  <a:rPr lang="zh-CN" altLang="en-US" dirty="0"/>
-                  <a:t> </a:t>
-                </a:r>
-                <a:r>
-                  <a:rPr lang="en-US" altLang="zh-CN" dirty="0"/>
-                  <a:t>housing</a:t>
-                </a:r>
-                <a:r>
-                  <a:rPr lang="zh-CN" altLang="en-US" dirty="0"/>
-                  <a:t> </a:t>
-                </a:r>
-                <a:r>
-                  <a:rPr lang="en-US" altLang="zh-CN" dirty="0"/>
-                  <a:t>price.</a:t>
-                </a:r>
-              </a:p>
-              <a:p>
-                <a:pPr lvl="1"/>
-                <a:r>
-                  <a:rPr lang="en-US" altLang="zh-CN" dirty="0"/>
-                  <a:t>Linear</a:t>
-                </a:r>
-                <a:r>
-                  <a:rPr lang="zh-CN" altLang="en-US" dirty="0"/>
-                  <a:t> </a:t>
-                </a:r>
-                <a:r>
-                  <a:rPr lang="en-US" altLang="zh-CN" dirty="0"/>
-                  <a:t>trend?</a:t>
-                </a:r>
-              </a:p>
-              <a:p>
-                <a:pPr marL="914400" lvl="2" indent="0">
-                  <a:buNone/>
-                </a:pPr>
-                <a14:m>
-                  <m:oMathPara xmlns:m="http://schemas.openxmlformats.org/officeDocument/2006/math">
-                    <m:oMathParaPr>
-                      <m:jc m:val="centerGroup"/>
-                    </m:oMathParaPr>
-                    <m:oMath xmlns:m="http://schemas.openxmlformats.org/officeDocument/2006/math">
-                      <m:r>
-                        <a:rPr lang="en-US" altLang="zh-CN" b="0" i="1" smtClean="0">
-                          <a:latin typeface="Cambria Math" panose="02040503050406030204" pitchFamily="18" charset="0"/>
-                        </a:rPr>
-                        <m:t>𝑝𝑟𝑖𝑐𝑒</m:t>
-                      </m:r>
-                      <m:r>
-                        <a:rPr lang="en-US" altLang="zh-CN" b="0" i="1" smtClean="0">
-                          <a:latin typeface="Cambria Math" panose="02040503050406030204" pitchFamily="18" charset="0"/>
-                        </a:rPr>
-                        <m:t>= </m:t>
-                      </m:r>
-                      <m:sSub>
-                        <m:sSubPr>
-                          <m:ctrlPr>
-                            <a:rPr lang="en-US" altLang="zh-CN" b="0" i="1" smtClean="0">
-                              <a:latin typeface="Cambria Math" panose="02040503050406030204" pitchFamily="18" charset="0"/>
-                            </a:rPr>
-                          </m:ctrlPr>
-                        </m:sSubPr>
-                        <m:e>
-                          <m:r>
-                            <a:rPr lang="en-US" altLang="zh-CN" b="0" i="1" smtClean="0">
-                              <a:latin typeface="Cambria Math" panose="02040503050406030204" pitchFamily="18" charset="0"/>
-                              <a:ea typeface="Cambria Math" panose="02040503050406030204" pitchFamily="18" charset="0"/>
-                            </a:rPr>
-                            <m:t>𝛽</m:t>
-                          </m:r>
-                        </m:e>
-                        <m:sub>
-                          <m:r>
-                            <a:rPr lang="en-US" altLang="zh-CN" b="0" i="1" smtClean="0">
-                              <a:latin typeface="Cambria Math" panose="02040503050406030204" pitchFamily="18" charset="0"/>
-                            </a:rPr>
-                            <m:t>1</m:t>
-                          </m:r>
-                        </m:sub>
-                      </m:sSub>
-                      <m:r>
-                        <a:rPr lang="en-US" altLang="zh-CN" b="0" i="1" smtClean="0">
-                          <a:latin typeface="Cambria Math" panose="02040503050406030204" pitchFamily="18" charset="0"/>
-                        </a:rPr>
-                        <m:t>𝑡</m:t>
-                      </m:r>
-                      <m:r>
-                        <a:rPr lang="en-US" altLang="zh-CN" b="0" i="1" smtClean="0">
-                          <a:latin typeface="Cambria Math" panose="02040503050406030204" pitchFamily="18" charset="0"/>
-                        </a:rPr>
-                        <m:t>+ ∈</m:t>
-                      </m:r>
-                    </m:oMath>
-                  </m:oMathPara>
-                </a14:m>
-                <a:endParaRPr lang="en-US" altLang="zh-CN" dirty="0"/>
-              </a:p>
-              <a:p>
-                <a:pPr lvl="2"/>
-                <a:r>
-                  <a:rPr lang="en-US" altLang="zh-CN" dirty="0"/>
-                  <a:t>What</a:t>
-                </a:r>
-                <a:r>
-                  <a:rPr lang="zh-CN" altLang="en-US" dirty="0"/>
-                  <a:t> </a:t>
-                </a:r>
-                <a:r>
-                  <a:rPr lang="en-US" altLang="zh-CN" dirty="0"/>
-                  <a:t>is</a:t>
-                </a:r>
-                <a:r>
-                  <a:rPr lang="zh-CN" altLang="en-US" dirty="0"/>
-                  <a:t> </a:t>
-                </a:r>
-                <a:r>
-                  <a:rPr lang="en-US" altLang="zh-CN" dirty="0"/>
-                  <a:t>the</a:t>
-                </a:r>
-                <a:r>
-                  <a:rPr lang="zh-CN" altLang="en-US" dirty="0"/>
-                  <a:t> </a:t>
-                </a:r>
-                <a:r>
-                  <a:rPr lang="en-US" altLang="zh-CN" dirty="0"/>
-                  <a:t>assumption</a:t>
-                </a:r>
-                <a:r>
-                  <a:rPr lang="zh-CN" altLang="en-US" dirty="0"/>
-                  <a:t> </a:t>
-                </a:r>
-                <a:r>
-                  <a:rPr lang="en-US" altLang="zh-CN" dirty="0"/>
-                  <a:t>here?</a:t>
-                </a:r>
-                <a:r>
-                  <a:rPr lang="zh-CN" altLang="en-US" dirty="0"/>
-                  <a:t> </a:t>
-                </a:r>
-                <a:r>
-                  <a:rPr lang="en-US" altLang="zh-CN" dirty="0"/>
-                  <a:t>This</a:t>
-                </a:r>
-                <a:r>
-                  <a:rPr lang="zh-CN" altLang="en-US" dirty="0"/>
-                  <a:t> </a:t>
-                </a:r>
-                <a:r>
-                  <a:rPr lang="en-US" altLang="zh-CN" dirty="0"/>
-                  <a:t>assumes</a:t>
-                </a:r>
-                <a:r>
-                  <a:rPr lang="zh-CN" altLang="en-US" dirty="0"/>
-                  <a:t> </a:t>
-                </a:r>
-                <a:r>
-                  <a:rPr lang="en-US" altLang="zh-CN" dirty="0"/>
-                  <a:t>that</a:t>
-                </a:r>
-                <a:r>
-                  <a:rPr lang="zh-CN" altLang="en-US" dirty="0"/>
-                  <a:t> </a:t>
-                </a:r>
-                <a:r>
-                  <a:rPr lang="en-US" altLang="zh-CN" dirty="0"/>
-                  <a:t>the</a:t>
-                </a:r>
-                <a:r>
-                  <a:rPr lang="zh-CN" altLang="en-US" dirty="0"/>
-                  <a:t> </a:t>
-                </a:r>
-                <a:r>
-                  <a:rPr lang="en-US" altLang="zh-CN" dirty="0"/>
-                  <a:t>price</a:t>
-                </a:r>
-                <a:r>
-                  <a:rPr lang="zh-CN" altLang="en-US" dirty="0"/>
-                  <a:t> </a:t>
-                </a:r>
-                <a:r>
-                  <a:rPr lang="en-US" altLang="zh-CN" dirty="0"/>
-                  <a:t>increasement</a:t>
-                </a:r>
-                <a:r>
-                  <a:rPr lang="zh-CN" altLang="en-US" dirty="0"/>
-                  <a:t> </a:t>
-                </a:r>
-                <a:r>
-                  <a:rPr lang="en-US" altLang="zh-CN" dirty="0"/>
-                  <a:t>is</a:t>
-                </a:r>
-                <a:r>
-                  <a:rPr lang="zh-CN" altLang="en-US" dirty="0"/>
-                  <a:t> </a:t>
-                </a:r>
-                <a:r>
-                  <a:rPr lang="en-US" altLang="zh-CN" dirty="0"/>
-                  <a:t>linear</a:t>
-                </a:r>
-                <a:r>
-                  <a:rPr lang="zh-CN" altLang="en-US" dirty="0"/>
-                  <a:t> </a:t>
-                </a:r>
-                <a:r>
-                  <a:rPr lang="en-US" altLang="zh-CN" dirty="0"/>
-                  <a:t>over</a:t>
-                </a:r>
-                <a:r>
-                  <a:rPr lang="zh-CN" altLang="en-US" dirty="0"/>
-                  <a:t> </a:t>
-                </a:r>
-                <a:r>
-                  <a:rPr lang="en-US" altLang="zh-CN" dirty="0"/>
-                  <a:t>time,</a:t>
-                </a:r>
-                <a:r>
-                  <a:rPr lang="zh-CN" altLang="en-US" dirty="0"/>
-                  <a:t> </a:t>
-                </a:r>
-                <a:r>
-                  <a:rPr lang="en-US" altLang="zh-CN" dirty="0"/>
-                  <a:t>i.e.,</a:t>
-                </a:r>
-                <a:r>
-                  <a:rPr lang="zh-CN" altLang="en-US" dirty="0"/>
-                  <a:t> </a:t>
-                </a:r>
-                <a:r>
-                  <a:rPr lang="en-US" altLang="zh-CN" dirty="0"/>
-                  <a:t>the</a:t>
-                </a:r>
-                <a:r>
-                  <a:rPr lang="zh-CN" altLang="en-US" dirty="0"/>
-                  <a:t> </a:t>
-                </a:r>
-                <a:r>
-                  <a:rPr lang="en-US" altLang="zh-CN" dirty="0"/>
-                  <a:t>average</a:t>
-                </a:r>
-                <a:r>
-                  <a:rPr lang="zh-CN" altLang="en-US" dirty="0"/>
-                  <a:t> </a:t>
-                </a:r>
-                <a:r>
-                  <a:rPr lang="en-US" altLang="zh-CN" dirty="0"/>
-                  <a:t>price</a:t>
-                </a:r>
-                <a:r>
-                  <a:rPr lang="zh-CN" altLang="en-US" dirty="0"/>
-                  <a:t> </a:t>
-                </a:r>
-                <a:r>
-                  <a:rPr lang="en-US" altLang="zh-CN" dirty="0"/>
-                  <a:t>difference</a:t>
-                </a:r>
-                <a:r>
-                  <a:rPr lang="zh-CN" altLang="en-US" dirty="0"/>
-                  <a:t> </a:t>
-                </a:r>
-                <a:r>
-                  <a:rPr lang="en-US" altLang="zh-CN" dirty="0"/>
-                  <a:t>between</a:t>
-                </a:r>
-                <a:r>
-                  <a:rPr lang="zh-CN" altLang="en-US" dirty="0"/>
-                  <a:t> </a:t>
-                </a:r>
-                <a:r>
-                  <a:rPr lang="en-US" altLang="zh-CN" dirty="0"/>
-                  <a:t>Year2010</a:t>
-                </a:r>
-                <a:r>
-                  <a:rPr lang="zh-CN" altLang="en-US" dirty="0"/>
-                  <a:t> </a:t>
-                </a:r>
-                <a:r>
-                  <a:rPr lang="en-US" altLang="zh-CN" dirty="0"/>
-                  <a:t>and</a:t>
-                </a:r>
-                <a:r>
-                  <a:rPr lang="zh-CN" altLang="en-US" dirty="0"/>
-                  <a:t> </a:t>
-                </a:r>
-                <a:r>
-                  <a:rPr lang="en-US" altLang="zh-CN" dirty="0"/>
-                  <a:t>Year</a:t>
-                </a:r>
-                <a:r>
-                  <a:rPr lang="zh-CN" altLang="en-US" dirty="0"/>
-                  <a:t> </a:t>
-                </a:r>
-                <a:r>
-                  <a:rPr lang="en-US" altLang="zh-CN" dirty="0"/>
-                  <a:t>2009</a:t>
-                </a:r>
-                <a:r>
-                  <a:rPr lang="zh-CN" altLang="en-US" dirty="0"/>
-                  <a:t> </a:t>
-                </a:r>
-                <a:r>
-                  <a:rPr lang="en-US" altLang="zh-CN" dirty="0"/>
-                  <a:t>is</a:t>
-                </a:r>
-                <a:r>
-                  <a:rPr lang="zh-CN" altLang="en-US" dirty="0"/>
-                  <a:t> </a:t>
-                </a:r>
-                <a:r>
-                  <a:rPr lang="en-US" altLang="zh-CN" dirty="0"/>
-                  <a:t>the</a:t>
-                </a:r>
-                <a:r>
-                  <a:rPr lang="zh-CN" altLang="en-US" dirty="0"/>
-                  <a:t> </a:t>
-                </a:r>
-                <a:r>
-                  <a:rPr lang="en-US" altLang="zh-CN" dirty="0"/>
-                  <a:t>same</a:t>
-                </a:r>
-                <a:r>
-                  <a:rPr lang="zh-CN" altLang="en-US" dirty="0"/>
-                  <a:t> </a:t>
-                </a:r>
-                <a:r>
-                  <a:rPr lang="en-US" altLang="zh-CN" dirty="0"/>
-                  <a:t>as</a:t>
-                </a:r>
-                <a:r>
-                  <a:rPr lang="zh-CN" altLang="en-US" dirty="0"/>
-                  <a:t> </a:t>
-                </a:r>
-                <a:r>
-                  <a:rPr lang="en-US" altLang="zh-CN" dirty="0"/>
-                  <a:t>the</a:t>
-                </a:r>
-                <a:r>
-                  <a:rPr lang="zh-CN" altLang="en-US" dirty="0"/>
-                  <a:t> </a:t>
-                </a:r>
-                <a:r>
-                  <a:rPr lang="en-US" altLang="zh-CN" dirty="0"/>
-                  <a:t>average</a:t>
-                </a:r>
-                <a:r>
-                  <a:rPr lang="zh-CN" altLang="en-US" dirty="0"/>
-                  <a:t> </a:t>
-                </a:r>
-                <a:r>
-                  <a:rPr lang="en-US" altLang="zh-CN" dirty="0"/>
-                  <a:t>price</a:t>
-                </a:r>
-                <a:r>
-                  <a:rPr lang="zh-CN" altLang="en-US" dirty="0"/>
-                  <a:t> </a:t>
-                </a:r>
-                <a:r>
-                  <a:rPr lang="en-US" altLang="zh-CN" dirty="0"/>
-                  <a:t>difference</a:t>
-                </a:r>
-                <a:r>
-                  <a:rPr lang="zh-CN" altLang="en-US" dirty="0"/>
-                  <a:t> </a:t>
-                </a:r>
-                <a:r>
-                  <a:rPr lang="en-US" altLang="zh-CN" dirty="0"/>
-                  <a:t>between</a:t>
-                </a:r>
-                <a:r>
-                  <a:rPr lang="zh-CN" altLang="en-US" dirty="0"/>
-                  <a:t> </a:t>
-                </a:r>
-                <a:r>
-                  <a:rPr lang="en-US" altLang="zh-CN" dirty="0"/>
-                  <a:t>Year2011</a:t>
-                </a:r>
-                <a:r>
-                  <a:rPr lang="zh-CN" altLang="en-US" dirty="0"/>
-                  <a:t> </a:t>
-                </a:r>
-                <a:r>
-                  <a:rPr lang="en-US" altLang="zh-CN" dirty="0"/>
-                  <a:t>and</a:t>
-                </a:r>
-                <a:r>
-                  <a:rPr lang="zh-CN" altLang="en-US" dirty="0"/>
-                  <a:t> </a:t>
-                </a:r>
-                <a:r>
-                  <a:rPr lang="en-US" altLang="zh-CN" dirty="0"/>
-                  <a:t>Year</a:t>
-                </a:r>
-                <a:r>
-                  <a:rPr lang="zh-CN" altLang="en-US" dirty="0"/>
-                  <a:t> </a:t>
-                </a:r>
-                <a:r>
-                  <a:rPr lang="en-US" altLang="zh-CN" dirty="0"/>
-                  <a:t>2010</a:t>
-                </a:r>
-                <a:r>
-                  <a:rPr lang="zh-CN" altLang="en-US" dirty="0"/>
-                  <a:t> </a:t>
-                </a:r>
-                <a:r>
-                  <a:rPr lang="en-US" altLang="zh-CN" dirty="0"/>
-                  <a:t>(both</a:t>
-                </a:r>
-                <a:r>
-                  <a:rPr lang="zh-CN" altLang="en-US" dirty="0"/>
-                  <a:t> </a:t>
-                </a:r>
-                <a:r>
-                  <a:rPr lang="en-US" altLang="zh-CN" dirty="0"/>
-                  <a:t>equal</a:t>
-                </a:r>
-                <a:r>
-                  <a:rPr lang="zh-CN" altLang="en-US" dirty="0"/>
-                  <a:t> </a:t>
-                </a:r>
-                <a:r>
-                  <a:rPr lang="en-US" altLang="zh-CN" dirty="0"/>
-                  <a:t>to</a:t>
-                </a:r>
-                <a:r>
-                  <a:rPr lang="zh-CN" altLang="en-US" dirty="0"/>
-                  <a:t> </a:t>
-                </a:r>
-                <a14:m>
-                  <m:oMath xmlns:m="http://schemas.openxmlformats.org/officeDocument/2006/math">
-                    <m:sSub>
-                      <m:sSubPr>
-                        <m:ctrlPr>
-                          <a:rPr lang="en-US" altLang="zh-CN" b="0" i="1" smtClean="0">
-                            <a:latin typeface="Cambria Math" panose="02040503050406030204" pitchFamily="18" charset="0"/>
-                          </a:rPr>
-                        </m:ctrlPr>
-                      </m:sSubPr>
-                      <m:e>
-                        <m:r>
-                          <a:rPr lang="en-US" altLang="zh-CN" b="0" i="1" smtClean="0">
-                            <a:latin typeface="Cambria Math" panose="02040503050406030204" pitchFamily="18" charset="0"/>
-                            <a:ea typeface="Cambria Math" panose="02040503050406030204" pitchFamily="18" charset="0"/>
-                          </a:rPr>
-                          <m:t>𝛽</m:t>
-                        </m:r>
-                      </m:e>
-                      <m:sub>
-                        <m:r>
-                          <a:rPr lang="en-US" altLang="zh-CN" b="0" i="1" smtClean="0">
-                            <a:latin typeface="Cambria Math" panose="02040503050406030204" pitchFamily="18" charset="0"/>
-                          </a:rPr>
-                          <m:t>1</m:t>
-                        </m:r>
-                      </m:sub>
-                    </m:sSub>
-                  </m:oMath>
-                </a14:m>
-                <a:r>
-                  <a:rPr lang="en-US" altLang="zh-CN" dirty="0"/>
-                  <a:t>).</a:t>
-                </a:r>
-              </a:p>
-              <a:p>
-                <a:pPr marL="914400" lvl="2" indent="0">
-                  <a:buNone/>
-                </a:pPr>
-                <a:endParaRPr lang="en-US" altLang="zh-CN" dirty="0"/>
-              </a:p>
-              <a:p>
-                <a:pPr lvl="1"/>
-                <a:r>
-                  <a:rPr lang="en-US" altLang="zh-CN" dirty="0"/>
-                  <a:t>Seasonal</a:t>
-                </a:r>
-                <a:r>
-                  <a:rPr lang="zh-CN" altLang="en-US" dirty="0"/>
-                  <a:t> </a:t>
-                </a:r>
-                <a:r>
-                  <a:rPr lang="en-US" altLang="zh-CN" dirty="0"/>
-                  <a:t>effect?</a:t>
-                </a:r>
-              </a:p>
-              <a:p>
-                <a:pPr marL="914400" lvl="2" indent="0">
-                  <a:buNone/>
-                </a:pPr>
-                <a14:m>
-                  <m:oMathPara xmlns:m="http://schemas.openxmlformats.org/officeDocument/2006/math">
-                    <m:oMathParaPr>
-                      <m:jc m:val="centerGroup"/>
-                    </m:oMathParaPr>
-                    <m:oMath xmlns:m="http://schemas.openxmlformats.org/officeDocument/2006/math">
-                      <m:r>
-                        <a:rPr lang="en-US" altLang="zh-CN" b="0" i="1" smtClean="0">
-                          <a:latin typeface="Cambria Math" panose="02040503050406030204" pitchFamily="18" charset="0"/>
-                        </a:rPr>
-                        <m:t>𝑝𝑟𝑖𝑐𝑒</m:t>
-                      </m:r>
-                      <m:r>
-                        <a:rPr lang="en-US" altLang="zh-CN" b="0" i="1" smtClean="0">
-                          <a:latin typeface="Cambria Math" panose="02040503050406030204" pitchFamily="18" charset="0"/>
-                        </a:rPr>
-                        <m:t>= </m:t>
-                      </m:r>
-                      <m:sSub>
-                        <m:sSubPr>
-                          <m:ctrlPr>
-                            <a:rPr lang="en-US" altLang="zh-CN" b="0" i="1" smtClean="0">
-                              <a:latin typeface="Cambria Math" panose="02040503050406030204" pitchFamily="18" charset="0"/>
-                            </a:rPr>
-                          </m:ctrlPr>
-                        </m:sSubPr>
-                        <m:e>
-                          <m:r>
-                            <a:rPr lang="en-US" altLang="zh-CN" b="0" i="1" smtClean="0">
-                              <a:latin typeface="Cambria Math" panose="02040503050406030204" pitchFamily="18" charset="0"/>
-                              <a:ea typeface="Cambria Math" panose="02040503050406030204" pitchFamily="18" charset="0"/>
-                            </a:rPr>
-                            <m:t>𝛽</m:t>
-                          </m:r>
-                        </m:e>
-                        <m:sub>
-                          <m:r>
-                            <a:rPr lang="en-US" altLang="zh-CN" b="0" i="1" smtClean="0">
-                              <a:latin typeface="Cambria Math" panose="02040503050406030204" pitchFamily="18" charset="0"/>
-                              <a:ea typeface="Cambria Math" panose="02040503050406030204" pitchFamily="18" charset="0"/>
-                            </a:rPr>
-                            <m:t>2</m:t>
-                          </m:r>
-                        </m:sub>
-                      </m:sSub>
-                      <m:r>
-                        <a:rPr lang="zh-CN" altLang="en-US" b="0" i="1" smtClean="0">
-                          <a:latin typeface="Cambria Math" panose="02040503050406030204" pitchFamily="18" charset="0"/>
-                        </a:rPr>
-                        <m:t>∗</m:t>
-                      </m:r>
-                      <m:r>
-                        <a:rPr lang="en-US" altLang="zh-CN" b="0" i="1" smtClean="0">
-                          <a:latin typeface="Cambria Math" panose="02040503050406030204" pitchFamily="18" charset="0"/>
-                        </a:rPr>
-                        <m:t>𝑠𝑝𝑟𝑖𝑛𝑔</m:t>
-                      </m:r>
-                      <m:r>
-                        <a:rPr lang="en-US" altLang="zh-CN" b="0" i="1" smtClean="0">
-                          <a:latin typeface="Cambria Math" panose="02040503050406030204" pitchFamily="18" charset="0"/>
-                        </a:rPr>
-                        <m:t>+</m:t>
-                      </m:r>
-                      <m:sSub>
-                        <m:sSubPr>
-                          <m:ctrlPr>
-                            <a:rPr lang="en-US" altLang="zh-CN" i="1">
-                              <a:latin typeface="Cambria Math" panose="02040503050406030204" pitchFamily="18" charset="0"/>
-                            </a:rPr>
-                          </m:ctrlPr>
-                        </m:sSubPr>
-                        <m:e>
-                          <m:r>
-                            <a:rPr lang="en-US" altLang="zh-CN" i="1">
-                              <a:latin typeface="Cambria Math" panose="02040503050406030204" pitchFamily="18" charset="0"/>
-                              <a:ea typeface="Cambria Math" panose="02040503050406030204" pitchFamily="18" charset="0"/>
-                            </a:rPr>
-                            <m:t>𝛽</m:t>
-                          </m:r>
-                        </m:e>
-                        <m:sub>
-                          <m:r>
-                            <a:rPr lang="en-US" altLang="zh-CN" b="0" i="1" smtClean="0">
-                              <a:latin typeface="Cambria Math" panose="02040503050406030204" pitchFamily="18" charset="0"/>
-                              <a:ea typeface="Cambria Math" panose="02040503050406030204" pitchFamily="18" charset="0"/>
-                            </a:rPr>
-                            <m:t>3</m:t>
-                          </m:r>
-                        </m:sub>
-                      </m:sSub>
-                      <m:r>
-                        <a:rPr lang="zh-CN" altLang="en-US" i="1">
-                          <a:latin typeface="Cambria Math" panose="02040503050406030204" pitchFamily="18" charset="0"/>
-                        </a:rPr>
-                        <m:t>∗</m:t>
-                      </m:r>
-                      <m:r>
-                        <a:rPr lang="en-US" altLang="zh-CN" b="0" i="1" smtClean="0">
-                          <a:latin typeface="Cambria Math" panose="02040503050406030204" pitchFamily="18" charset="0"/>
-                        </a:rPr>
-                        <m:t>𝑠𝑢𝑚𝑚𝑒𝑟</m:t>
-                      </m:r>
-                      <m:r>
-                        <a:rPr lang="en-US" altLang="zh-CN" b="0" i="1" smtClean="0">
-                          <a:latin typeface="Cambria Math" panose="02040503050406030204" pitchFamily="18" charset="0"/>
-                        </a:rPr>
-                        <m:t>+</m:t>
-                      </m:r>
-                      <m:sSub>
-                        <m:sSubPr>
-                          <m:ctrlPr>
-                            <a:rPr lang="en-US" altLang="zh-CN" i="1">
-                              <a:latin typeface="Cambria Math" panose="02040503050406030204" pitchFamily="18" charset="0"/>
-                            </a:rPr>
-                          </m:ctrlPr>
-                        </m:sSubPr>
-                        <m:e>
-                          <m:r>
-                            <a:rPr lang="en-US" altLang="zh-CN" i="1">
-                              <a:latin typeface="Cambria Math" panose="02040503050406030204" pitchFamily="18" charset="0"/>
-                              <a:ea typeface="Cambria Math" panose="02040503050406030204" pitchFamily="18" charset="0"/>
-                            </a:rPr>
-                            <m:t>𝛽</m:t>
-                          </m:r>
-                        </m:e>
-                        <m:sub>
-                          <m:r>
-                            <a:rPr lang="en-US" altLang="zh-CN" b="0" i="1" smtClean="0">
-                              <a:latin typeface="Cambria Math" panose="02040503050406030204" pitchFamily="18" charset="0"/>
-                              <a:ea typeface="Cambria Math" panose="02040503050406030204" pitchFamily="18" charset="0"/>
-                            </a:rPr>
-                            <m:t>4</m:t>
-                          </m:r>
-                        </m:sub>
-                      </m:sSub>
-                      <m:r>
-                        <a:rPr lang="zh-CN" altLang="en-US" i="1">
-                          <a:latin typeface="Cambria Math" panose="02040503050406030204" pitchFamily="18" charset="0"/>
-                        </a:rPr>
-                        <m:t>∗</m:t>
-                      </m:r>
-                      <m:r>
-                        <a:rPr lang="en-US" altLang="zh-CN" b="0" i="1" smtClean="0">
-                          <a:latin typeface="Cambria Math" panose="02040503050406030204" pitchFamily="18" charset="0"/>
-                        </a:rPr>
-                        <m:t>𝑓𝑎𝑙𝑙</m:t>
-                      </m:r>
-                      <m:r>
-                        <a:rPr lang="en-US" altLang="zh-CN" b="0" i="1" smtClean="0">
-                          <a:latin typeface="Cambria Math" panose="02040503050406030204" pitchFamily="18" charset="0"/>
-                        </a:rPr>
-                        <m:t>+</m:t>
-                      </m:r>
-                      <m:sSub>
-                        <m:sSubPr>
-                          <m:ctrlPr>
-                            <a:rPr lang="en-US" altLang="zh-CN" i="1">
-                              <a:latin typeface="Cambria Math" panose="02040503050406030204" pitchFamily="18" charset="0"/>
-                            </a:rPr>
-                          </m:ctrlPr>
-                        </m:sSubPr>
-                        <m:e>
-                          <m:r>
-                            <a:rPr lang="en-US" altLang="zh-CN" i="1">
-                              <a:latin typeface="Cambria Math" panose="02040503050406030204" pitchFamily="18" charset="0"/>
-                              <a:ea typeface="Cambria Math" panose="02040503050406030204" pitchFamily="18" charset="0"/>
-                            </a:rPr>
-                            <m:t>𝛽</m:t>
-                          </m:r>
-                        </m:e>
-                        <m:sub>
-                          <m:r>
-                            <a:rPr lang="en-US" altLang="zh-CN" b="0" i="1" smtClean="0">
-                              <a:latin typeface="Cambria Math" panose="02040503050406030204" pitchFamily="18" charset="0"/>
-                              <a:ea typeface="Cambria Math" panose="02040503050406030204" pitchFamily="18" charset="0"/>
-                            </a:rPr>
-                            <m:t>5</m:t>
-                          </m:r>
-                        </m:sub>
-                      </m:sSub>
-                      <m:r>
-                        <a:rPr lang="zh-CN" altLang="en-US" i="1">
-                          <a:latin typeface="Cambria Math" panose="02040503050406030204" pitchFamily="18" charset="0"/>
-                        </a:rPr>
-                        <m:t>∗</m:t>
-                      </m:r>
-                      <m:r>
-                        <a:rPr lang="en-US" altLang="zh-CN" b="0" i="1" smtClean="0">
-                          <a:latin typeface="Cambria Math" panose="02040503050406030204" pitchFamily="18" charset="0"/>
-                        </a:rPr>
-                        <m:t>𝑤𝑖𝑛𝑡𝑒𝑟</m:t>
-                      </m:r>
-                      <m:r>
-                        <a:rPr lang="en-US" altLang="zh-CN" i="1">
-                          <a:latin typeface="Cambria Math" panose="02040503050406030204" pitchFamily="18" charset="0"/>
-                        </a:rPr>
-                        <m:t>+</m:t>
-                      </m:r>
-                      <m:r>
-                        <a:rPr lang="zh-CN" altLang="en-US" b="0" i="1" smtClean="0">
-                          <a:latin typeface="Cambria Math" panose="02040503050406030204" pitchFamily="18" charset="0"/>
-                        </a:rPr>
-                        <m:t> ∈</m:t>
-                      </m:r>
-                    </m:oMath>
-                  </m:oMathPara>
-                </a14:m>
-                <a:endParaRPr lang="en-US" altLang="zh-CN" dirty="0"/>
-              </a:p>
-              <a:p>
-                <a:pPr lvl="2"/>
-                <a:r>
-                  <a:rPr lang="en-US" altLang="zh-CN" i="1" dirty="0"/>
-                  <a:t>Seasonality</a:t>
-                </a:r>
-                <a:r>
-                  <a:rPr lang="zh-CN" altLang="en-US" dirty="0"/>
-                  <a:t> </a:t>
-                </a:r>
-                <a:r>
-                  <a:rPr lang="en-US" altLang="zh-CN" dirty="0"/>
-                  <a:t>in</a:t>
-                </a:r>
-                <a:r>
-                  <a:rPr lang="zh-CN" altLang="en-US" dirty="0"/>
-                  <a:t> </a:t>
-                </a:r>
-                <a:r>
-                  <a:rPr lang="en-US" altLang="zh-CN" dirty="0"/>
-                  <a:t>time</a:t>
-                </a:r>
-                <a:r>
-                  <a:rPr lang="zh-CN" altLang="en-US" dirty="0"/>
-                  <a:t> </a:t>
-                </a:r>
-                <a:r>
-                  <a:rPr lang="en-US" altLang="zh-CN" dirty="0"/>
-                  <a:t>series</a:t>
-                </a:r>
-                <a:r>
-                  <a:rPr lang="zh-CN" altLang="en-US" dirty="0"/>
-                  <a:t> </a:t>
-                </a:r>
-                <a:r>
-                  <a:rPr lang="en-US" altLang="zh-CN" dirty="0"/>
-                  <a:t>analysis</a:t>
-                </a:r>
-                <a:r>
-                  <a:rPr lang="zh-CN" altLang="en-US" dirty="0"/>
-                  <a:t> </a:t>
-                </a:r>
-                <a:r>
-                  <a:rPr lang="en-US" altLang="zh-CN" dirty="0"/>
-                  <a:t>refers</a:t>
-                </a:r>
-                <a:r>
-                  <a:rPr lang="zh-CN" altLang="en-US" dirty="0"/>
-                  <a:t> </a:t>
-                </a:r>
-                <a:r>
-                  <a:rPr lang="en-US" altLang="zh-CN" dirty="0"/>
-                  <a:t>to</a:t>
-                </a:r>
-                <a:r>
-                  <a:rPr lang="zh-CN" altLang="en-US" dirty="0"/>
-                  <a:t> </a:t>
-                </a:r>
-                <a:r>
-                  <a:rPr lang="en-US" altLang="zh-CN" b="1" dirty="0"/>
-                  <a:t>any</a:t>
-                </a:r>
-                <a:r>
-                  <a:rPr lang="zh-CN" altLang="en-US" b="1" dirty="0"/>
-                  <a:t> </a:t>
-                </a:r>
-                <a:r>
-                  <a:rPr lang="en-US" altLang="zh-CN" b="1" dirty="0"/>
-                  <a:t>short-term</a:t>
-                </a:r>
-                <a:r>
-                  <a:rPr lang="zh-CN" altLang="en-US" b="1" dirty="0"/>
-                  <a:t> </a:t>
-                </a:r>
-                <a:r>
-                  <a:rPr lang="en-US" altLang="zh-CN" b="1" dirty="0"/>
-                  <a:t>repeating</a:t>
-                </a:r>
-                <a:r>
-                  <a:rPr lang="zh-CN" altLang="en-US" b="1" dirty="0"/>
-                  <a:t> </a:t>
-                </a:r>
-                <a:r>
-                  <a:rPr lang="en-US" altLang="zh-CN" b="1" dirty="0"/>
-                  <a:t>pattern</a:t>
-                </a:r>
-                <a:r>
-                  <a:rPr lang="en-US" altLang="zh-CN" dirty="0"/>
-                  <a:t>,</a:t>
-                </a:r>
-                <a:r>
-                  <a:rPr lang="zh-CN" altLang="en-US" dirty="0"/>
-                  <a:t> </a:t>
-                </a:r>
-                <a:r>
-                  <a:rPr lang="en-US" altLang="zh-CN" dirty="0"/>
-                  <a:t>i.e.,</a:t>
-                </a:r>
-                <a:r>
-                  <a:rPr lang="zh-CN" altLang="en-US" dirty="0"/>
-                  <a:t> </a:t>
-                </a:r>
-                <a:r>
-                  <a:rPr lang="en-US" altLang="zh-CN" dirty="0"/>
-                  <a:t>it</a:t>
-                </a:r>
-                <a:r>
-                  <a:rPr lang="zh-CN" altLang="en-US" dirty="0"/>
-                  <a:t> </a:t>
-                </a:r>
-                <a:r>
-                  <a:rPr lang="en-US" altLang="zh-CN" dirty="0"/>
-                  <a:t>could</a:t>
-                </a:r>
-                <a:r>
-                  <a:rPr lang="zh-CN" altLang="en-US" dirty="0"/>
-                  <a:t> </a:t>
-                </a:r>
-                <a:r>
-                  <a:rPr lang="en-US" altLang="zh-CN" dirty="0"/>
-                  <a:t>be</a:t>
-                </a:r>
-                <a:r>
-                  <a:rPr lang="zh-CN" altLang="en-US" dirty="0"/>
-                  <a:t> </a:t>
-                </a:r>
-                <a:r>
-                  <a:rPr lang="en-US" altLang="zh-CN" dirty="0"/>
-                  <a:t>yearly/daily/monthly,</a:t>
-                </a:r>
-                <a:r>
-                  <a:rPr lang="zh-CN" altLang="en-US" dirty="0"/>
-                  <a:t> </a:t>
-                </a:r>
-                <a:r>
-                  <a:rPr lang="en-US" altLang="zh-CN" dirty="0"/>
-                  <a:t>and</a:t>
-                </a:r>
-                <a:r>
-                  <a:rPr lang="zh-CN" altLang="en-US" dirty="0"/>
-                  <a:t> </a:t>
-                </a:r>
-                <a:r>
-                  <a:rPr lang="en-US" altLang="zh-CN" dirty="0"/>
-                  <a:t>they</a:t>
-                </a:r>
-                <a:r>
-                  <a:rPr lang="zh-CN" altLang="en-US" dirty="0"/>
-                  <a:t> </a:t>
-                </a:r>
-                <a:r>
-                  <a:rPr lang="en-US" altLang="zh-CN" dirty="0"/>
-                  <a:t>would</a:t>
-                </a:r>
-                <a:r>
-                  <a:rPr lang="zh-CN" altLang="en-US" dirty="0"/>
-                  <a:t> </a:t>
-                </a:r>
-                <a:r>
-                  <a:rPr lang="en-US" altLang="zh-CN" dirty="0"/>
-                  <a:t>all</a:t>
-                </a:r>
-                <a:r>
-                  <a:rPr lang="zh-CN" altLang="en-US" dirty="0"/>
-                  <a:t> </a:t>
-                </a:r>
-                <a:r>
-                  <a:rPr lang="en-US" altLang="zh-CN" dirty="0"/>
-                  <a:t>be</a:t>
-                </a:r>
-                <a:r>
-                  <a:rPr lang="zh-CN" altLang="en-US" dirty="0"/>
-                  <a:t> </a:t>
-                </a:r>
-                <a:r>
-                  <a:rPr lang="en-US" altLang="zh-CN" dirty="0"/>
-                  <a:t>called</a:t>
-                </a:r>
-                <a:r>
-                  <a:rPr lang="zh-CN" altLang="en-US" dirty="0"/>
-                  <a:t> </a:t>
-                </a:r>
-                <a:r>
-                  <a:rPr lang="en-US" altLang="zh-CN" dirty="0"/>
-                  <a:t>“seasonally”.</a:t>
-                </a:r>
-                <a:endParaRPr lang="en-US" dirty="0"/>
-              </a:p>
-            </p:txBody>
-          </p:sp>
-        </mc:Choice>
-        <mc:Fallback xmlns="">
-          <p:sp>
-            <p:nvSpPr>
-              <p:cNvPr id="3" name="Content Placeholder 2">
-                <a:extLst>
-                  <a:ext uri="{FF2B5EF4-FFF2-40B4-BE49-F238E27FC236}">
-                    <a16:creationId xmlns:a16="http://schemas.microsoft.com/office/drawing/2014/main" id="{739A9088-1474-0B99-B979-664429381F7F}"/>
-                  </a:ext>
-                </a:extLst>
-              </p:cNvPr>
-              <p:cNvSpPr>
-                <a:spLocks noGrp="1" noRot="1" noChangeAspect="1" noMove="1" noResize="1" noEditPoints="1" noAdjustHandles="1" noChangeArrowheads="1" noChangeShapeType="1" noTextEdit="1"/>
-              </p:cNvSpPr>
-              <p:nvPr>
-                <p:ph idx="1"/>
-              </p:nvPr>
-            </p:nvSpPr>
-            <p:spPr>
-              <a:blipFill>
-                <a:blip r:embed="rId2"/>
-                <a:stretch>
-                  <a:fillRect l="-1206" t="-2326"/>
-                </a:stretch>
-              </a:blipFill>
-            </p:spPr>
-            <p:txBody>
-              <a:bodyPr/>
-              <a:lstStyle/>
-              <a:p>
-                <a:r>
-                  <a:rPr lang="en-US">
-                    <a:noFill/>
-                  </a:rPr>
-                  <a:t> </a:t>
-                </a:r>
-              </a:p>
-            </p:txBody>
-          </p:sp>
-        </mc:Fallback>
-      </mc:AlternateContent>
-    </p:spTree>
-    <p:extLst>
-      <p:ext uri="{BB962C8B-B14F-4D97-AF65-F5344CB8AC3E}">
-        <p14:creationId xmlns:p14="http://schemas.microsoft.com/office/powerpoint/2010/main" val="2436446491"/>
-      </p:ext>
-    </p:extLst>
-  </p:cSld>
-  <p:clrMapOvr>
-    <a:masterClrMapping/>
-  </p:clrMapOvr>
-</p:sld>
-</file>
-
-<file path=ppt/slides/slide15.xml><?xml version="1.0" encoding="utf-8"?>
-<p:sld xmlns:a="http://schemas.openxmlformats.org/drawingml/2006/main" xmlns:r="http://schemas.openxmlformats.org/officeDocument/2006/relationships" xmlns:p="http://schemas.openxmlformats.org/presentationml/2006/main">
-  <p:cSld>
-    <p:spTree>
-      <p:nvGrpSpPr>
-        <p:cNvPr id="1" name=""/>
-        <p:cNvGrpSpPr/>
-        <p:nvPr/>
-      </p:nvGrpSpPr>
-      <p:grpSpPr>
-        <a:xfrm>
-          <a:off x="0" y="0"/>
-          <a:ext cx="0" cy="0"/>
-          <a:chOff x="0" y="0"/>
-          <a:chExt cx="0" cy="0"/>
-        </a:xfrm>
-      </p:grpSpPr>
-      <p:sp>
-        <p:nvSpPr>
-          <p:cNvPr id="2" name="Title 1">
-            <a:extLst>
-              <a:ext uri="{FF2B5EF4-FFF2-40B4-BE49-F238E27FC236}">
                 <a16:creationId xmlns:a16="http://schemas.microsoft.com/office/drawing/2014/main" id="{1E17C90D-076C-4AC1-25A7-C73D8194757B}"/>
               </a:ext>
             </a:extLst>
@@ -8505,7 +5380,7 @@
 </p:sld>
 </file>
 
-<file path=ppt/slides/slide16.xml><?xml version="1.0" encoding="utf-8"?>
+<file path=ppt/slides/slide11.xml><?xml version="1.0" encoding="utf-8"?>
 <p:sld xmlns:a="http://schemas.openxmlformats.org/drawingml/2006/main" xmlns:r="http://schemas.openxmlformats.org/officeDocument/2006/relationships" xmlns:p="http://schemas.openxmlformats.org/presentationml/2006/main">
   <p:cSld>
     <p:spTree>
@@ -9801,7 +6676,7 @@
 </p:sld>
 </file>
 
-<file path=ppt/slides/slide17.xml><?xml version="1.0" encoding="utf-8"?>
+<file path=ppt/slides/slide12.xml><?xml version="1.0" encoding="utf-8"?>
 <p:sld xmlns:a="http://schemas.openxmlformats.org/drawingml/2006/main" xmlns:r="http://schemas.openxmlformats.org/officeDocument/2006/relationships" xmlns:p="http://schemas.openxmlformats.org/presentationml/2006/main">
   <p:cSld>
     <p:spTree>
@@ -11230,7 +8105,7 @@
 </p:sld>
 </file>
 
-<file path=ppt/slides/slide18.xml><?xml version="1.0" encoding="utf-8"?>
+<file path=ppt/slides/slide13.xml><?xml version="1.0" encoding="utf-8"?>
 <p:sld xmlns:a="http://schemas.openxmlformats.org/drawingml/2006/main" xmlns:r="http://schemas.openxmlformats.org/officeDocument/2006/relationships" xmlns:p="http://schemas.openxmlformats.org/presentationml/2006/main">
   <p:cSld>
     <p:spTree>
@@ -20049,7 +16924,7 @@
             </a:r>
             <a:r>
               <a:rPr lang="en-US" altLang="zh-CN" dirty="0"/>
-              <a:t>Usually</a:t>
+              <a:t>Usually,</a:t>
             </a:r>
             <a:r>
               <a:rPr lang="zh-CN" altLang="en-US" dirty="0"/>
